--- a/docs/milestones/hito_1/presentacionhito1.pptx
+++ b/docs/milestones/hito_1/presentacionhito1.pptx
@@ -2,30 +2,32 @@
 <file path=ppt/presentation.xml><?xml version="1.0" encoding="utf-8"?>
 <p:presentation xmlns:a="http://schemas.openxmlformats.org/drawingml/2006/main" xmlns:r="http://schemas.openxmlformats.org/officeDocument/2006/relationships" xmlns:mc="http://schemas.openxmlformats.org/markup-compatibility/2006" xmlns:mv="urn:schemas-microsoft-com:mac:vml" xmlns:p="http://schemas.openxmlformats.org/presentationml/2006/main" xmlns:c="http://schemas.openxmlformats.org/drawingml/2006/chart" xmlns:dgm="http://schemas.openxmlformats.org/drawingml/2006/diagram" xmlns:o="urn:schemas-microsoft-com:office:office" xmlns:v="urn:schemas-microsoft-com:vml" xmlns:pvml="urn:schemas-microsoft-com:office:powerpoint" xmlns:com="http://schemas.openxmlformats.org/drawingml/2006/compatibility" xmlns:p14="http://schemas.microsoft.com/office/powerpoint/2010/main" xmlns:p15="http://schemas.microsoft.com/office/powerpoint/2012/main" xmlns:ahyp="http://schemas.microsoft.com/office/drawing/2018/hyperlinkcolor" autoCompressPictures="0" embedTrueTypeFonts="1" strictFirstAndLastChars="0" saveSubsetFonts="1">
   <p:sldMasterIdLst>
-    <p:sldMasterId id="2147483648" r:id="rId3"/>
+    <p:sldMasterId id="2147483648" r:id="rId4"/>
   </p:sldMasterIdLst>
   <p:notesMasterIdLst>
-    <p:notesMasterId r:id="rId4"/>
+    <p:notesMasterId r:id="rId5"/>
   </p:notesMasterIdLst>
   <p:sldIdLst>
-    <p:sldId id="256" r:id="rId5"/>
-    <p:sldId id="257" r:id="rId6"/>
-    <p:sldId id="258" r:id="rId7"/>
-    <p:sldId id="259" r:id="rId8"/>
+    <p:sldId id="256" r:id="rId6"/>
+    <p:sldId id="257" r:id="rId7"/>
+    <p:sldId id="258" r:id="rId8"/>
+    <p:sldId id="259" r:id="rId9"/>
+    <p:sldId id="260" r:id="rId10"/>
+    <p:sldId id="261" r:id="rId11"/>
   </p:sldIdLst>
   <p:sldSz cy="6858000" cx="12192000"/>
   <p:notesSz cx="6858000" cy="9144000"/>
   <p:embeddedFontLst>
     <p:embeddedFont>
       <p:font typeface="Overlock"/>
-      <p:regular r:id="rId9"/>
-      <p:bold r:id="rId10"/>
-      <p:italic r:id="rId11"/>
-      <p:boldItalic r:id="rId12"/>
+      <p:regular r:id="rId12"/>
+      <p:bold r:id="rId13"/>
+      <p:italic r:id="rId14"/>
+      <p:boldItalic r:id="rId15"/>
     </p:embeddedFont>
     <p:embeddedFont>
       <p:font typeface="Lustria"/>
-      <p:regular r:id="rId13"/>
+      <p:regular r:id="rId16"/>
     </p:embeddedFont>
   </p:embeddedFontLst>
   <p:defaultTextStyle>
@@ -259,10 +261,130 @@
   </p:defaultTextStyle>
   <p:extLst>
     <p:ext uri="http://customooxmlschemas.google.com/">
-      <go:slidesCustomData xmlns:go="http://customooxmlschemas.google.com/" r:id="rId14" roundtripDataSignature="AMtx7mj9EPyqtiRsQ/m/zbh9j0C1fmf/nw=="/>
+      <go:slidesCustomData xmlns:go="http://customooxmlschemas.google.com/" r:id="rId17" roundtripDataSignature="AMtx7miYZpSSFNds+nN7HmhWoZupSUzFng=="/>
     </p:ext>
   </p:extLst>
 </p:presentation>
+</file>
+
+<file path=ppt/commentAuthors.xml><?xml version="1.0" encoding="utf-8"?>
+<p:cmAuthorLst xmlns:a="http://schemas.openxmlformats.org/drawingml/2006/main" xmlns:r="http://schemas.openxmlformats.org/officeDocument/2006/relationships" xmlns:mc="http://schemas.openxmlformats.org/markup-compatibility/2006" xmlns:mv="urn:schemas-microsoft-com:mac:vml" xmlns:p="http://schemas.openxmlformats.org/presentationml/2006/main" xmlns:c="http://schemas.openxmlformats.org/drawingml/2006/chart" xmlns:dgm="http://schemas.openxmlformats.org/drawingml/2006/diagram" xmlns:o="urn:schemas-microsoft-com:office:office" xmlns:v="urn:schemas-microsoft-com:vml" xmlns:pvml="urn:schemas-microsoft-com:office:powerpoint" xmlns:com="http://schemas.openxmlformats.org/drawingml/2006/compatibility" xmlns:p14="http://schemas.microsoft.com/office/powerpoint/2010/main" xmlns:p15="http://schemas.microsoft.com/office/powerpoint/2012/main" xmlns:ahyp="http://schemas.microsoft.com/office/drawing/2018/hyperlinkcolor">
+  <p:cmAuthor clrIdx="0" id="0" initials="" lastIdx="4" name="Iván Sánchez Míguez"/>
+  <p:cmAuthor clrIdx="1" id="1" initials="" lastIdx="3" name="Pablo González Alvarez"/>
+</p:cmAuthorLst>
+</file>
+
+<file path=ppt/comments/comment1.xml><?xml version="1.0" encoding="utf-8"?>
+<p:cmLst xmlns:a="http://schemas.openxmlformats.org/drawingml/2006/main" xmlns:r="http://schemas.openxmlformats.org/officeDocument/2006/relationships" xmlns:mc="http://schemas.openxmlformats.org/markup-compatibility/2006" xmlns:mv="urn:schemas-microsoft-com:mac:vml" xmlns:p="http://schemas.openxmlformats.org/presentationml/2006/main" xmlns:c="http://schemas.openxmlformats.org/drawingml/2006/chart" xmlns:dgm="http://schemas.openxmlformats.org/drawingml/2006/diagram" xmlns:o="urn:schemas-microsoft-com:office:office" xmlns:v="urn:schemas-microsoft-com:vml" xmlns:pvml="urn:schemas-microsoft-com:office:powerpoint" xmlns:com="http://schemas.openxmlformats.org/drawingml/2006/compatibility" xmlns:p14="http://schemas.microsoft.com/office/powerpoint/2010/main" xmlns:p15="http://schemas.microsoft.com/office/powerpoint/2012/main" xmlns:ahyp="http://schemas.microsoft.com/office/drawing/2018/hyperlinkcolor">
+  <p:cm authorId="0" idx="1" dt="2021-03-14T10:13:34.681">
+    <p:pos x="6000" y="0"/>
+    <p:text>Lore, género, público objetivo, referencias</p:text>
+    <p:extLst>
+      <p:ext uri="{C676402C-5697-4E1C-873F-D02D1690AC5C}">
+        <p15:threadingInfo timeZoneBias="0"/>
+      </p:ext>
+      <p:ext uri="http://customooxmlschemas.google.com/">
+        <go:slidesCustomData xmlns:go="http://customooxmlschemas.google.com/" commentPostId="AAAALsrzdm4"/>
+      </p:ext>
+    </p:extLst>
+  </p:cm>
+</p:cmLst>
+</file>
+
+<file path=ppt/comments/comment2.xml><?xml version="1.0" encoding="utf-8"?>
+<p:cmLst xmlns:a="http://schemas.openxmlformats.org/drawingml/2006/main" xmlns:r="http://schemas.openxmlformats.org/officeDocument/2006/relationships" xmlns:mc="http://schemas.openxmlformats.org/markup-compatibility/2006" xmlns:mv="urn:schemas-microsoft-com:mac:vml" xmlns:p="http://schemas.openxmlformats.org/presentationml/2006/main" xmlns:c="http://schemas.openxmlformats.org/drawingml/2006/chart" xmlns:dgm="http://schemas.openxmlformats.org/drawingml/2006/diagram" xmlns:o="urn:schemas-microsoft-com:office:office" xmlns:v="urn:schemas-microsoft-com:vml" xmlns:pvml="urn:schemas-microsoft-com:office:powerpoint" xmlns:com="http://schemas.openxmlformats.org/drawingml/2006/compatibility" xmlns:p14="http://schemas.microsoft.com/office/powerpoint/2010/main" xmlns:p15="http://schemas.microsoft.com/office/powerpoint/2012/main" xmlns:ahyp="http://schemas.microsoft.com/office/drawing/2018/hyperlinkcolor">
+  <p:cm authorId="1" idx="1" dt="2021-03-14T10:14:07.973">
+    <p:pos x="6000" y="0"/>
+    <p:text>Lo que pone el titulo</p:text>
+    <p:extLst>
+      <p:ext uri="{C676402C-5697-4E1C-873F-D02D1690AC5C}">
+        <p15:threadingInfo timeZoneBias="0"/>
+      </p:ext>
+      <p:ext uri="http://customooxmlschemas.google.com/">
+        <go:slidesCustomData xmlns:go="http://customooxmlschemas.google.com/" commentPostId="AAAALsrzdmk"/>
+      </p:ext>
+    </p:extLst>
+  </p:cm>
+  <p:cm authorId="0" idx="2" dt="2021-03-14T10:14:07.973">
+    <p:pos x="6000" y="0"/>
+    <p:text>Resumen mecanicas y  dinámica. Estetica  y lo que pretende transmitir</p:text>
+    <p:extLst>
+      <p:ext uri="{C676402C-5697-4E1C-873F-D02D1690AC5C}">
+        <p15:threadingInfo timeZoneBias="0">
+          <p15:parentCm authorId="1" idx="1"/>
+        </p15:threadingInfo>
+      </p:ext>
+      <p:ext uri="http://customooxmlschemas.google.com/">
+        <go:slidesCustomData xmlns:go="http://customooxmlschemas.google.com/" commentPostId="AAAALsrzdnA"/>
+      </p:ext>
+    </p:extLst>
+  </p:cm>
+</p:cmLst>
+</file>
+
+<file path=ppt/comments/comment3.xml><?xml version="1.0" encoding="utf-8"?>
+<p:cmLst xmlns:a="http://schemas.openxmlformats.org/drawingml/2006/main" xmlns:r="http://schemas.openxmlformats.org/officeDocument/2006/relationships" xmlns:mc="http://schemas.openxmlformats.org/markup-compatibility/2006" xmlns:mv="urn:schemas-microsoft-com:mac:vml" xmlns:p="http://schemas.openxmlformats.org/presentationml/2006/main" xmlns:c="http://schemas.openxmlformats.org/drawingml/2006/chart" xmlns:dgm="http://schemas.openxmlformats.org/drawingml/2006/diagram" xmlns:o="urn:schemas-microsoft-com:office:office" xmlns:v="urn:schemas-microsoft-com:vml" xmlns:pvml="urn:schemas-microsoft-com:office:powerpoint" xmlns:com="http://schemas.openxmlformats.org/drawingml/2006/compatibility" xmlns:p14="http://schemas.microsoft.com/office/powerpoint/2010/main" xmlns:p15="http://schemas.microsoft.com/office/powerpoint/2012/main" xmlns:ahyp="http://schemas.microsoft.com/office/drawing/2018/hyperlinkcolor">
+  <p:cm authorId="0" idx="3" dt="2021-03-14T10:19:04.196">
+    <p:pos x="6000" y="0"/>
+    <p:text>No se sabe aún, esperar al martes</p:text>
+    <p:extLst>
+      <p:ext uri="{C676402C-5697-4E1C-873F-D02D1690AC5C}">
+        <p15:threadingInfo timeZoneBias="0"/>
+      </p:ext>
+      <p:ext uri="http://customooxmlschemas.google.com/">
+        <go:slidesCustomData xmlns:go="http://customooxmlschemas.google.com/" commentPostId="AAAALsrzdnE"/>
+      </p:ext>
+    </p:extLst>
+  </p:cm>
+  <p:cm authorId="0" idx="4" dt="2021-03-14T10:19:04.196">
+    <p:pos x="6000" y="0"/>
+    <p:text>BIEN: proceso de gestion a traves de discord y pivotal</p:text>
+    <p:extLst>
+      <p:ext uri="{C676402C-5697-4E1C-873F-D02D1690AC5C}">
+        <p15:threadingInfo timeZoneBias="0">
+          <p15:parentCm authorId="0" idx="3"/>
+        </p15:threadingInfo>
+      </p:ext>
+      <p:ext uri="http://customooxmlschemas.google.com/">
+        <go:slidesCustomData xmlns:go="http://customooxmlschemas.google.com/" commentPostId="AAAALsrzdnM"/>
+      </p:ext>
+    </p:extLst>
+  </p:cm>
+</p:cmLst>
+</file>
+
+<file path=ppt/comments/comment4.xml><?xml version="1.0" encoding="utf-8"?>
+<p:cmLst xmlns:a="http://schemas.openxmlformats.org/drawingml/2006/main" xmlns:r="http://schemas.openxmlformats.org/officeDocument/2006/relationships" xmlns:mc="http://schemas.openxmlformats.org/markup-compatibility/2006" xmlns:mv="urn:schemas-microsoft-com:mac:vml" xmlns:p="http://schemas.openxmlformats.org/presentationml/2006/main" xmlns:c="http://schemas.openxmlformats.org/drawingml/2006/chart" xmlns:dgm="http://schemas.openxmlformats.org/drawingml/2006/diagram" xmlns:o="urn:schemas-microsoft-com:office:office" xmlns:v="urn:schemas-microsoft-com:vml" xmlns:pvml="urn:schemas-microsoft-com:office:powerpoint" xmlns:com="http://schemas.openxmlformats.org/drawingml/2006/compatibility" xmlns:p14="http://schemas.microsoft.com/office/powerpoint/2010/main" xmlns:p15="http://schemas.microsoft.com/office/powerpoint/2012/main" xmlns:ahyp="http://schemas.microsoft.com/office/drawing/2018/hyperlinkcolor">
+  <p:cm authorId="1" idx="2" dt="2021-03-14T10:12:19.094">
+    <p:pos x="6000" y="0"/>
+    <p:text>Cosas que hemos conseguido hacer y que no</p:text>
+    <p:extLst>
+      <p:ext uri="{C676402C-5697-4E1C-873F-D02D1690AC5C}">
+        <p15:threadingInfo timeZoneBias="0"/>
+      </p:ext>
+      <p:ext uri="http://customooxmlschemas.google.com/">
+        <go:slidesCustomData xmlns:go="http://customooxmlschemas.google.com/" commentPostId="AAAALsrzdmw"/>
+      </p:ext>
+    </p:extLst>
+  </p:cm>
+</p:cmLst>
+</file>
+
+<file path=ppt/comments/comment5.xml><?xml version="1.0" encoding="utf-8"?>
+<p:cmLst xmlns:a="http://schemas.openxmlformats.org/drawingml/2006/main" xmlns:r="http://schemas.openxmlformats.org/officeDocument/2006/relationships" xmlns:mc="http://schemas.openxmlformats.org/markup-compatibility/2006" xmlns:mv="urn:schemas-microsoft-com:mac:vml" xmlns:p="http://schemas.openxmlformats.org/presentationml/2006/main" xmlns:c="http://schemas.openxmlformats.org/drawingml/2006/chart" xmlns:dgm="http://schemas.openxmlformats.org/drawingml/2006/diagram" xmlns:o="urn:schemas-microsoft-com:office:office" xmlns:v="urn:schemas-microsoft-com:vml" xmlns:pvml="urn:schemas-microsoft-com:office:powerpoint" xmlns:com="http://schemas.openxmlformats.org/drawingml/2006/compatibility" xmlns:p14="http://schemas.microsoft.com/office/powerpoint/2010/main" xmlns:p15="http://schemas.microsoft.com/office/powerpoint/2012/main" xmlns:ahyp="http://schemas.microsoft.com/office/drawing/2018/hyperlinkcolor">
+  <p:cm authorId="1" idx="3" dt="2021-03-14T10:12:44.913">
+    <p:pos x="6000" y="0"/>
+    <p:text>Que queremos hacer en el siguiente hito</p:text>
+    <p:extLst>
+      <p:ext uri="{C676402C-5697-4E1C-873F-D02D1690AC5C}">
+        <p15:threadingInfo timeZoneBias="0"/>
+      </p:ext>
+      <p:ext uri="http://customooxmlschemas.google.com/">
+        <go:slidesCustomData xmlns:go="http://customooxmlschemas.google.com/" commentPostId="AAAALsrzdm0"/>
+      </p:ext>
+    </p:extLst>
+  </p:cm>
+</p:cmLst>
 </file>
 
 <file path=ppt/notesMasters/notesMaster1.xml><?xml version="1.0" encoding="utf-8"?>
@@ -1551,7 +1673,7 @@
       </p:grpSpPr>
       <p:sp>
         <p:nvSpPr>
-          <p:cNvPr id="153" name="Google Shape;153;gc68cfcf6e3_0_37:notes"/>
+          <p:cNvPr id="153" name="Google Shape;153;gc62d3e613c_0_1:notes"/>
           <p:cNvSpPr/>
           <p:nvPr>
             <p:ph idx="2" type="sldImg"/>
@@ -1586,7 +1708,7 @@
       </p:sp>
       <p:sp>
         <p:nvSpPr>
-          <p:cNvPr id="154" name="Google Shape;154;gc68cfcf6e3_0_37:notes"/>
+          <p:cNvPr id="154" name="Google Shape;154;gc62d3e613c_0_1:notes"/>
           <p:cNvSpPr txBox="1"/>
           <p:nvPr>
             <p:ph idx="1" type="body"/>
@@ -1625,7 +1747,7 @@
       </p:sp>
       <p:sp>
         <p:nvSpPr>
-          <p:cNvPr id="155" name="Google Shape;155;gc68cfcf6e3_0_37:notes"/>
+          <p:cNvPr id="155" name="Google Shape;155;gc62d3e613c_0_1:notes"/>
           <p:cNvSpPr txBox="1"/>
           <p:nvPr>
             <p:ph idx="12" type="sldNum"/>
@@ -1680,7 +1802,7 @@
   <p:cSld>
     <p:spTree>
       <p:nvGrpSpPr>
-        <p:cNvPr id="158" name="Shape 158"/>
+        <p:cNvPr id="165" name="Shape 165"/>
         <p:cNvGrpSpPr/>
         <p:nvPr/>
       </p:nvGrpSpPr>
@@ -1694,7 +1816,7 @@
       </p:grpSpPr>
       <p:sp>
         <p:nvSpPr>
-          <p:cNvPr id="159" name="Google Shape;159;gc68cfcf6e3_0_1:notes"/>
+          <p:cNvPr id="166" name="Google Shape;166;gc35822750a_0_2:notes"/>
           <p:cNvSpPr/>
           <p:nvPr>
             <p:ph idx="2" type="sldImg"/>
@@ -1729,7 +1851,7 @@
       </p:sp>
       <p:sp>
         <p:nvSpPr>
-          <p:cNvPr id="160" name="Google Shape;160;gc68cfcf6e3_0_1:notes"/>
+          <p:cNvPr id="167" name="Google Shape;167;gc35822750a_0_2:notes"/>
           <p:cNvSpPr txBox="1"/>
           <p:nvPr>
             <p:ph idx="1" type="body"/>
@@ -1768,7 +1890,7 @@
       </p:sp>
       <p:sp>
         <p:nvSpPr>
-          <p:cNvPr id="161" name="Google Shape;161;gc68cfcf6e3_0_1:notes"/>
+          <p:cNvPr id="168" name="Google Shape;168;gc35822750a_0_2:notes"/>
           <p:cNvSpPr txBox="1"/>
           <p:nvPr>
             <p:ph idx="12" type="sldNum"/>
@@ -1823,7 +1945,7 @@
   <p:cSld>
     <p:spTree>
       <p:nvGrpSpPr>
-        <p:cNvPr id="173" name="Shape 173"/>
+        <p:cNvPr id="176" name="Shape 176"/>
         <p:cNvGrpSpPr/>
         <p:nvPr/>
       </p:nvGrpSpPr>
@@ -1837,7 +1959,7 @@
       </p:grpSpPr>
       <p:sp>
         <p:nvSpPr>
-          <p:cNvPr id="174" name="Google Shape;174;gc68cfcf6e3_0_18:notes"/>
+          <p:cNvPr id="177" name="Google Shape;177;gc68cfcf6e3_0_37:notes"/>
           <p:cNvSpPr/>
           <p:nvPr>
             <p:ph idx="2" type="sldImg"/>
@@ -1872,7 +1994,7 @@
       </p:sp>
       <p:sp>
         <p:nvSpPr>
-          <p:cNvPr id="175" name="Google Shape;175;gc68cfcf6e3_0_18:notes"/>
+          <p:cNvPr id="178" name="Google Shape;178;gc68cfcf6e3_0_37:notes"/>
           <p:cNvSpPr txBox="1"/>
           <p:nvPr>
             <p:ph idx="1" type="body"/>
@@ -1911,7 +2033,293 @@
       </p:sp>
       <p:sp>
         <p:nvSpPr>
-          <p:cNvPr id="176" name="Google Shape;176;gc68cfcf6e3_0_18:notes"/>
+          <p:cNvPr id="179" name="Google Shape;179;gc68cfcf6e3_0_37:notes"/>
+          <p:cNvSpPr txBox="1"/>
+          <p:nvPr>
+            <p:ph idx="12" type="sldNum"/>
+          </p:nvPr>
+        </p:nvSpPr>
+        <p:spPr>
+          <a:xfrm>
+            <a:off x="3884613" y="8685213"/>
+            <a:ext cx="2971800" cy="458700"/>
+          </a:xfrm>
+          <a:prstGeom prst="rect">
+            <a:avLst/>
+          </a:prstGeom>
+        </p:spPr>
+        <p:txBody>
+          <a:bodyPr anchorCtr="0" anchor="b" bIns="45700" lIns="91425" spcFirstLastPara="1" rIns="91425" wrap="square" tIns="45700">
+            <a:noAutofit/>
+          </a:bodyPr>
+          <a:lstStyle/>
+          <a:p>
+            <a:pPr indent="0" lvl="0" marL="0" rtl="0" algn="r">
+              <a:spcBef>
+                <a:spcPts val="0"/>
+              </a:spcBef>
+              <a:spcAft>
+                <a:spcPts val="0"/>
+              </a:spcAft>
+              <a:buClr>
+                <a:srgbClr val="000000"/>
+              </a:buClr>
+              <a:buFont typeface="Arial"/>
+              <a:buNone/>
+            </a:pPr>
+            <a:fld id="{00000000-1234-1234-1234-123412341234}" type="slidenum">
+              <a:rPr lang="en-GB"/>
+              <a:t>‹#›</a:t>
+            </a:fld>
+            <a:endParaRPr/>
+          </a:p>
+        </p:txBody>
+      </p:sp>
+    </p:spTree>
+  </p:cSld>
+  <p:clrMapOvr>
+    <a:masterClrMapping/>
+  </p:clrMapOvr>
+</p:notes>
+</file>
+
+<file path=ppt/notesSlides/notesSlide5.xml><?xml version="1.0" encoding="utf-8"?>
+<p:notes xmlns:a="http://schemas.openxmlformats.org/drawingml/2006/main" xmlns:r="http://schemas.openxmlformats.org/officeDocument/2006/relationships" xmlns:mc="http://schemas.openxmlformats.org/markup-compatibility/2006" xmlns:mv="urn:schemas-microsoft-com:mac:vml" xmlns:p="http://schemas.openxmlformats.org/presentationml/2006/main" xmlns:c="http://schemas.openxmlformats.org/drawingml/2006/chart" xmlns:dgm="http://schemas.openxmlformats.org/drawingml/2006/diagram" xmlns:o="urn:schemas-microsoft-com:office:office" xmlns:v="urn:schemas-microsoft-com:vml" xmlns:pvml="urn:schemas-microsoft-com:office:powerpoint" xmlns:com="http://schemas.openxmlformats.org/drawingml/2006/compatibility" xmlns:p14="http://schemas.microsoft.com/office/powerpoint/2010/main" xmlns:p15="http://schemas.microsoft.com/office/powerpoint/2012/main" xmlns:ahyp="http://schemas.microsoft.com/office/drawing/2018/hyperlinkcolor" showMasterPhAnim="0" showMasterSp="0">
+  <p:cSld>
+    <p:spTree>
+      <p:nvGrpSpPr>
+        <p:cNvPr id="185" name="Shape 185"/>
+        <p:cNvGrpSpPr/>
+        <p:nvPr/>
+      </p:nvGrpSpPr>
+      <p:grpSpPr>
+        <a:xfrm>
+          <a:off x="0" y="0"/>
+          <a:ext cx="0" cy="0"/>
+          <a:chOff x="0" y="0"/>
+          <a:chExt cx="0" cy="0"/>
+        </a:xfrm>
+      </p:grpSpPr>
+      <p:sp>
+        <p:nvSpPr>
+          <p:cNvPr id="186" name="Google Shape;186;gc68cfcf6e3_0_1:notes"/>
+          <p:cNvSpPr/>
+          <p:nvPr>
+            <p:ph idx="2" type="sldImg"/>
+          </p:nvPr>
+        </p:nvSpPr>
+        <p:spPr>
+          <a:xfrm>
+            <a:off x="685800" y="1143000"/>
+            <a:ext cx="5486400" cy="3086100"/>
+          </a:xfrm>
+          <a:custGeom>
+            <a:rect b="b" l="l" r="r" t="t"/>
+            <a:pathLst>
+              <a:path extrusionOk="0" h="120000" w="120000">
+                <a:moveTo>
+                  <a:pt x="0" y="0"/>
+                </a:moveTo>
+                <a:lnTo>
+                  <a:pt x="120000" y="0"/>
+                </a:lnTo>
+                <a:lnTo>
+                  <a:pt x="120000" y="120000"/>
+                </a:lnTo>
+                <a:lnTo>
+                  <a:pt x="0" y="120000"/>
+                </a:lnTo>
+                <a:close/>
+              </a:path>
+            </a:pathLst>
+          </a:custGeom>
+        </p:spPr>
+      </p:sp>
+      <p:sp>
+        <p:nvSpPr>
+          <p:cNvPr id="187" name="Google Shape;187;gc68cfcf6e3_0_1:notes"/>
+          <p:cNvSpPr txBox="1"/>
+          <p:nvPr>
+            <p:ph idx="1" type="body"/>
+          </p:nvPr>
+        </p:nvSpPr>
+        <p:spPr>
+          <a:xfrm>
+            <a:off x="685800" y="4400550"/>
+            <a:ext cx="5486400" cy="3600600"/>
+          </a:xfrm>
+          <a:prstGeom prst="rect">
+            <a:avLst/>
+          </a:prstGeom>
+        </p:spPr>
+        <p:txBody>
+          <a:bodyPr anchorCtr="0" anchor="t" bIns="45700" lIns="91425" spcFirstLastPara="1" rIns="91425" wrap="square" tIns="45700">
+            <a:noAutofit/>
+          </a:bodyPr>
+          <a:lstStyle/>
+          <a:p>
+            <a:pPr indent="0" lvl="0" marL="0" rtl="0" algn="l">
+              <a:spcBef>
+                <a:spcPts val="0"/>
+              </a:spcBef>
+              <a:spcAft>
+                <a:spcPts val="0"/>
+              </a:spcAft>
+              <a:buNone/>
+            </a:pPr>
+            <a:r>
+              <a:t/>
+            </a:r>
+            <a:endParaRPr/>
+          </a:p>
+        </p:txBody>
+      </p:sp>
+      <p:sp>
+        <p:nvSpPr>
+          <p:cNvPr id="188" name="Google Shape;188;gc68cfcf6e3_0_1:notes"/>
+          <p:cNvSpPr txBox="1"/>
+          <p:nvPr>
+            <p:ph idx="12" type="sldNum"/>
+          </p:nvPr>
+        </p:nvSpPr>
+        <p:spPr>
+          <a:xfrm>
+            <a:off x="3884613" y="8685213"/>
+            <a:ext cx="2971800" cy="458700"/>
+          </a:xfrm>
+          <a:prstGeom prst="rect">
+            <a:avLst/>
+          </a:prstGeom>
+        </p:spPr>
+        <p:txBody>
+          <a:bodyPr anchorCtr="0" anchor="b" bIns="45700" lIns="91425" spcFirstLastPara="1" rIns="91425" wrap="square" tIns="45700">
+            <a:noAutofit/>
+          </a:bodyPr>
+          <a:lstStyle/>
+          <a:p>
+            <a:pPr indent="0" lvl="0" marL="0" rtl="0" algn="r">
+              <a:spcBef>
+                <a:spcPts val="0"/>
+              </a:spcBef>
+              <a:spcAft>
+                <a:spcPts val="0"/>
+              </a:spcAft>
+              <a:buClr>
+                <a:srgbClr val="000000"/>
+              </a:buClr>
+              <a:buFont typeface="Arial"/>
+              <a:buNone/>
+            </a:pPr>
+            <a:fld id="{00000000-1234-1234-1234-123412341234}" type="slidenum">
+              <a:rPr lang="en-GB"/>
+              <a:t>‹#›</a:t>
+            </a:fld>
+            <a:endParaRPr/>
+          </a:p>
+        </p:txBody>
+      </p:sp>
+    </p:spTree>
+  </p:cSld>
+  <p:clrMapOvr>
+    <a:masterClrMapping/>
+  </p:clrMapOvr>
+</p:notes>
+</file>
+
+<file path=ppt/notesSlides/notesSlide6.xml><?xml version="1.0" encoding="utf-8"?>
+<p:notes xmlns:a="http://schemas.openxmlformats.org/drawingml/2006/main" xmlns:r="http://schemas.openxmlformats.org/officeDocument/2006/relationships" xmlns:mc="http://schemas.openxmlformats.org/markup-compatibility/2006" xmlns:mv="urn:schemas-microsoft-com:mac:vml" xmlns:p="http://schemas.openxmlformats.org/presentationml/2006/main" xmlns:c="http://schemas.openxmlformats.org/drawingml/2006/chart" xmlns:dgm="http://schemas.openxmlformats.org/drawingml/2006/diagram" xmlns:o="urn:schemas-microsoft-com:office:office" xmlns:v="urn:schemas-microsoft-com:vml" xmlns:pvml="urn:schemas-microsoft-com:office:powerpoint" xmlns:com="http://schemas.openxmlformats.org/drawingml/2006/compatibility" xmlns:p14="http://schemas.microsoft.com/office/powerpoint/2010/main" xmlns:p15="http://schemas.microsoft.com/office/powerpoint/2012/main" xmlns:ahyp="http://schemas.microsoft.com/office/drawing/2018/hyperlinkcolor" showMasterPhAnim="0" showMasterSp="0">
+  <p:cSld>
+    <p:spTree>
+      <p:nvGrpSpPr>
+        <p:cNvPr id="200" name="Shape 200"/>
+        <p:cNvGrpSpPr/>
+        <p:nvPr/>
+      </p:nvGrpSpPr>
+      <p:grpSpPr>
+        <a:xfrm>
+          <a:off x="0" y="0"/>
+          <a:ext cx="0" cy="0"/>
+          <a:chOff x="0" y="0"/>
+          <a:chExt cx="0" cy="0"/>
+        </a:xfrm>
+      </p:grpSpPr>
+      <p:sp>
+        <p:nvSpPr>
+          <p:cNvPr id="201" name="Google Shape;201;gc68cfcf6e3_0_18:notes"/>
+          <p:cNvSpPr/>
+          <p:nvPr>
+            <p:ph idx="2" type="sldImg"/>
+          </p:nvPr>
+        </p:nvSpPr>
+        <p:spPr>
+          <a:xfrm>
+            <a:off x="685800" y="1143000"/>
+            <a:ext cx="5486400" cy="3086100"/>
+          </a:xfrm>
+          <a:custGeom>
+            <a:rect b="b" l="l" r="r" t="t"/>
+            <a:pathLst>
+              <a:path extrusionOk="0" h="120000" w="120000">
+                <a:moveTo>
+                  <a:pt x="0" y="0"/>
+                </a:moveTo>
+                <a:lnTo>
+                  <a:pt x="120000" y="0"/>
+                </a:lnTo>
+                <a:lnTo>
+                  <a:pt x="120000" y="120000"/>
+                </a:lnTo>
+                <a:lnTo>
+                  <a:pt x="0" y="120000"/>
+                </a:lnTo>
+                <a:close/>
+              </a:path>
+            </a:pathLst>
+          </a:custGeom>
+        </p:spPr>
+      </p:sp>
+      <p:sp>
+        <p:nvSpPr>
+          <p:cNvPr id="202" name="Google Shape;202;gc68cfcf6e3_0_18:notes"/>
+          <p:cNvSpPr txBox="1"/>
+          <p:nvPr>
+            <p:ph idx="1" type="body"/>
+          </p:nvPr>
+        </p:nvSpPr>
+        <p:spPr>
+          <a:xfrm>
+            <a:off x="685800" y="4400550"/>
+            <a:ext cx="5486400" cy="3600600"/>
+          </a:xfrm>
+          <a:prstGeom prst="rect">
+            <a:avLst/>
+          </a:prstGeom>
+        </p:spPr>
+        <p:txBody>
+          <a:bodyPr anchorCtr="0" anchor="t" bIns="45700" lIns="91425" spcFirstLastPara="1" rIns="91425" wrap="square" tIns="45700">
+            <a:noAutofit/>
+          </a:bodyPr>
+          <a:lstStyle/>
+          <a:p>
+            <a:pPr indent="0" lvl="0" marL="0" rtl="0" algn="l">
+              <a:spcBef>
+                <a:spcPts val="0"/>
+              </a:spcBef>
+              <a:spcAft>
+                <a:spcPts val="0"/>
+              </a:spcAft>
+              <a:buNone/>
+            </a:pPr>
+            <a:r>
+              <a:t/>
+            </a:r>
+            <a:endParaRPr/>
+          </a:p>
+        </p:txBody>
+      </p:sp>
+      <p:sp>
+        <p:nvSpPr>
+          <p:cNvPr id="203" name="Google Shape;203;gc68cfcf6e3_0_18:notes"/>
           <p:cNvSpPr txBox="1"/>
           <p:nvPr>
             <p:ph idx="12" type="sldNum"/>
@@ -18780,7 +19188,7 @@
       </p:grpSpPr>
       <p:sp>
         <p:nvSpPr>
-          <p:cNvPr id="157" name="Google Shape;157;gc68cfcf6e3_0_37"/>
+          <p:cNvPr id="157" name="Google Shape;157;gc62d3e613c_0_1"/>
           <p:cNvSpPr txBox="1"/>
           <p:nvPr>
             <p:ph idx="1" type="subTitle"/>
@@ -18788,8 +19196,8 @@
         </p:nvSpPr>
         <p:spPr>
           <a:xfrm>
-            <a:off x="0" y="2608650"/>
-            <a:ext cx="12192000" cy="1050000"/>
+            <a:off x="2354100" y="306950"/>
+            <a:ext cx="7483800" cy="1050000"/>
           </a:xfrm>
           <a:prstGeom prst="rect">
             <a:avLst/>
@@ -18808,7 +19216,11 @@
               <a:spcAft>
                 <a:spcPts val="0"/>
               </a:spcAft>
+              <a:buClr>
+                <a:schemeClr val="lt2"/>
+              </a:buClr>
               <a:buSzPts val="935"/>
+              <a:buFont typeface="Consolas"/>
               <a:buNone/>
             </a:pPr>
             <a:r>
@@ -18821,12 +19233,302 @@
                 <a:cs typeface="Consolas"/>
                 <a:sym typeface="Consolas"/>
               </a:rPr>
-              <a:t>Hemos hecho bien todo hemos hecho mal Carlos León</a:t>
+              <a:t>¿De </a:t>
+            </a:r>
+            <a:r>
+              <a:rPr b="1" lang="en-GB" sz="4140">
+                <a:solidFill>
+                  <a:schemeClr val="lt2"/>
+                </a:solidFill>
+                <a:latin typeface="Consolas"/>
+                <a:ea typeface="Consolas"/>
+                <a:cs typeface="Consolas"/>
+                <a:sym typeface="Consolas"/>
+              </a:rPr>
+              <a:t>qué</a:t>
+            </a:r>
+            <a:r>
+              <a:rPr b="1" lang="en-GB" sz="4140">
+                <a:solidFill>
+                  <a:schemeClr val="lt2"/>
+                </a:solidFill>
+                <a:latin typeface="Consolas"/>
+                <a:ea typeface="Consolas"/>
+                <a:cs typeface="Consolas"/>
+                <a:sym typeface="Consolas"/>
+              </a:rPr>
+              <a:t> va nuestro juego?</a:t>
             </a:r>
             <a:endParaRPr sz="2100"/>
           </a:p>
         </p:txBody>
       </p:sp>
+      <p:pic>
+        <p:nvPicPr>
+          <p:cNvPr id="158" name="Google Shape;158;gc62d3e613c_0_1"/>
+          <p:cNvPicPr preferRelativeResize="0"/>
+          <p:nvPr/>
+        </p:nvPicPr>
+        <p:blipFill>
+          <a:blip r:embed="rId4">
+            <a:alphaModFix/>
+          </a:blip>
+          <a:stretch>
+            <a:fillRect/>
+          </a:stretch>
+        </p:blipFill>
+        <p:spPr>
+          <a:xfrm>
+            <a:off x="613025" y="1669825"/>
+            <a:ext cx="3412699" cy="1919649"/>
+          </a:xfrm>
+          <a:prstGeom prst="rect">
+            <a:avLst/>
+          </a:prstGeom>
+          <a:noFill/>
+          <a:ln>
+            <a:noFill/>
+          </a:ln>
+        </p:spPr>
+      </p:pic>
+      <p:pic>
+        <p:nvPicPr>
+          <p:cNvPr id="159" name="Google Shape;159;gc62d3e613c_0_1"/>
+          <p:cNvPicPr preferRelativeResize="0"/>
+          <p:nvPr/>
+        </p:nvPicPr>
+        <p:blipFill>
+          <a:blip r:embed="rId5">
+            <a:alphaModFix/>
+          </a:blip>
+          <a:stretch>
+            <a:fillRect/>
+          </a:stretch>
+        </p:blipFill>
+        <p:spPr>
+          <a:xfrm>
+            <a:off x="613013" y="4110375"/>
+            <a:ext cx="3412717" cy="1919650"/>
+          </a:xfrm>
+          <a:prstGeom prst="rect">
+            <a:avLst/>
+          </a:prstGeom>
+          <a:noFill/>
+          <a:ln>
+            <a:noFill/>
+          </a:ln>
+        </p:spPr>
+      </p:pic>
+      <p:pic>
+        <p:nvPicPr>
+          <p:cNvPr id="160" name="Google Shape;160;gc62d3e613c_0_1"/>
+          <p:cNvPicPr preferRelativeResize="0"/>
+          <p:nvPr/>
+        </p:nvPicPr>
+        <p:blipFill>
+          <a:blip r:embed="rId6">
+            <a:alphaModFix/>
+          </a:blip>
+          <a:stretch>
+            <a:fillRect/>
+          </a:stretch>
+        </p:blipFill>
+        <p:spPr>
+          <a:xfrm>
+            <a:off x="4699775" y="2800176"/>
+            <a:ext cx="3412701" cy="1919648"/>
+          </a:xfrm>
+          <a:prstGeom prst="rect">
+            <a:avLst/>
+          </a:prstGeom>
+          <a:noFill/>
+          <a:ln>
+            <a:noFill/>
+          </a:ln>
+        </p:spPr>
+      </p:pic>
+      <p:sp>
+        <p:nvSpPr>
+          <p:cNvPr id="161" name="Google Shape;161;gc62d3e613c_0_1"/>
+          <p:cNvSpPr txBox="1"/>
+          <p:nvPr/>
+        </p:nvSpPr>
+        <p:spPr>
+          <a:xfrm>
+            <a:off x="868550" y="1192825"/>
+            <a:ext cx="5895900" cy="477000"/>
+          </a:xfrm>
+          <a:prstGeom prst="rect">
+            <a:avLst/>
+          </a:prstGeom>
+          <a:noFill/>
+          <a:ln>
+            <a:noFill/>
+          </a:ln>
+        </p:spPr>
+        <p:txBody>
+          <a:bodyPr anchorCtr="0" anchor="t" bIns="91425" lIns="91425" spcFirstLastPara="1" rIns="91425" wrap="square" tIns="91425">
+            <a:spAutoFit/>
+          </a:bodyPr>
+          <a:lstStyle/>
+          <a:p>
+            <a:pPr indent="0" lvl="0" marL="0" rtl="0" algn="l">
+              <a:spcBef>
+                <a:spcPts val="0"/>
+              </a:spcBef>
+              <a:spcAft>
+                <a:spcPts val="0"/>
+              </a:spcAft>
+              <a:buNone/>
+            </a:pPr>
+            <a:r>
+              <a:rPr i="1" lang="en-GB" sz="1900">
+                <a:solidFill>
+                  <a:srgbClr val="FFFFFF"/>
+                </a:solidFill>
+              </a:rPr>
+              <a:t>Supervivencia día a día</a:t>
+            </a:r>
+            <a:endParaRPr sz="2100">
+              <a:solidFill>
+                <a:srgbClr val="FFFFFF"/>
+              </a:solidFill>
+              <a:latin typeface="Lustria"/>
+              <a:ea typeface="Lustria"/>
+              <a:cs typeface="Lustria"/>
+              <a:sym typeface="Lustria"/>
+            </a:endParaRPr>
+          </a:p>
+        </p:txBody>
+      </p:sp>
+      <p:sp>
+        <p:nvSpPr>
+          <p:cNvPr id="162" name="Google Shape;162;gc62d3e613c_0_1"/>
+          <p:cNvSpPr txBox="1"/>
+          <p:nvPr/>
+        </p:nvSpPr>
+        <p:spPr>
+          <a:xfrm>
+            <a:off x="981125" y="3648675"/>
+            <a:ext cx="3000000" cy="461700"/>
+          </a:xfrm>
+          <a:prstGeom prst="rect">
+            <a:avLst/>
+          </a:prstGeom>
+          <a:noFill/>
+          <a:ln>
+            <a:noFill/>
+          </a:ln>
+        </p:spPr>
+        <p:txBody>
+          <a:bodyPr anchorCtr="0" anchor="t" bIns="91425" lIns="91425" spcFirstLastPara="1" rIns="91425" wrap="square" tIns="91425">
+            <a:spAutoFit/>
+          </a:bodyPr>
+          <a:lstStyle/>
+          <a:p>
+            <a:pPr indent="0" lvl="0" marL="0" rtl="0" algn="l">
+              <a:spcBef>
+                <a:spcPts val="0"/>
+              </a:spcBef>
+              <a:spcAft>
+                <a:spcPts val="0"/>
+              </a:spcAft>
+              <a:buNone/>
+            </a:pPr>
+            <a:r>
+              <a:rPr i="1" lang="en-GB" sz="1800">
+                <a:solidFill>
+                  <a:srgbClr val="FFFFFF"/>
+                </a:solidFill>
+              </a:rPr>
+              <a:t>Raids / Equipamiento</a:t>
+            </a:r>
+            <a:endParaRPr sz="2000">
+              <a:solidFill>
+                <a:srgbClr val="FFFFFF"/>
+              </a:solidFill>
+            </a:endParaRPr>
+          </a:p>
+        </p:txBody>
+      </p:sp>
+      <p:sp>
+        <p:nvSpPr>
+          <p:cNvPr id="163" name="Google Shape;163;gc62d3e613c_0_1"/>
+          <p:cNvSpPr txBox="1"/>
+          <p:nvPr/>
+        </p:nvSpPr>
+        <p:spPr>
+          <a:xfrm>
+            <a:off x="5354875" y="2132625"/>
+            <a:ext cx="3000000" cy="492600"/>
+          </a:xfrm>
+          <a:prstGeom prst="rect">
+            <a:avLst/>
+          </a:prstGeom>
+          <a:noFill/>
+          <a:ln>
+            <a:noFill/>
+          </a:ln>
+        </p:spPr>
+        <p:txBody>
+          <a:bodyPr anchorCtr="0" anchor="t" bIns="91425" lIns="91425" spcFirstLastPara="1" rIns="91425" wrap="square" tIns="91425">
+            <a:spAutoFit/>
+          </a:bodyPr>
+          <a:lstStyle/>
+          <a:p>
+            <a:pPr indent="0" lvl="0" marL="0" rtl="0" algn="l">
+              <a:spcBef>
+                <a:spcPts val="0"/>
+              </a:spcBef>
+              <a:spcAft>
+                <a:spcPts val="0"/>
+              </a:spcAft>
+              <a:buNone/>
+            </a:pPr>
+            <a:r>
+              <a:rPr i="1" lang="en-GB" sz="2000">
+                <a:solidFill>
+                  <a:srgbClr val="FFFFFF"/>
+                </a:solidFill>
+              </a:rPr>
+              <a:t>Crafting / Loot</a:t>
+            </a:r>
+            <a:endParaRPr sz="2500">
+              <a:solidFill>
+                <a:srgbClr val="FFFFFF"/>
+              </a:solidFill>
+            </a:endParaRPr>
+          </a:p>
+        </p:txBody>
+      </p:sp>
+      <p:pic>
+        <p:nvPicPr>
+          <p:cNvPr id="164" name="Google Shape;164;gc62d3e613c_0_1"/>
+          <p:cNvPicPr preferRelativeResize="0"/>
+          <p:nvPr/>
+        </p:nvPicPr>
+        <p:blipFill>
+          <a:blip r:embed="rId7">
+            <a:alphaModFix/>
+          </a:blip>
+          <a:stretch>
+            <a:fillRect/>
+          </a:stretch>
+        </p:blipFill>
+        <p:spPr>
+          <a:xfrm>
+            <a:off x="9182726" y="1487924"/>
+            <a:ext cx="2091451" cy="4544148"/>
+          </a:xfrm>
+          <a:prstGeom prst="rect">
+            <a:avLst/>
+          </a:prstGeom>
+          <a:noFill/>
+          <a:ln>
+            <a:noFill/>
+          </a:ln>
+        </p:spPr>
+      </p:pic>
     </p:spTree>
   </p:cSld>
   <p:clrMapOvr>
@@ -18840,7 +19542,7 @@
   <p:cSld>
     <p:spTree>
       <p:nvGrpSpPr>
-        <p:cNvPr id="162" name="Shape 162"/>
+        <p:cNvPr id="169" name="Shape 169"/>
         <p:cNvGrpSpPr/>
         <p:nvPr/>
       </p:nvGrpSpPr>
@@ -18854,7 +19556,813 @@
       </p:grpSpPr>
       <p:sp>
         <p:nvSpPr>
-          <p:cNvPr id="163" name="Google Shape;163;gc68cfcf6e3_0_1"/>
+          <p:cNvPr id="170" name="Google Shape;170;gc35822750a_0_2"/>
+          <p:cNvSpPr txBox="1"/>
+          <p:nvPr>
+            <p:ph type="ctrTitle"/>
+          </p:nvPr>
+        </p:nvSpPr>
+        <p:spPr>
+          <a:xfrm>
+            <a:off x="2167550" y="349050"/>
+            <a:ext cx="8463900" cy="777900"/>
+          </a:xfrm>
+          <a:prstGeom prst="rect">
+            <a:avLst/>
+          </a:prstGeom>
+        </p:spPr>
+        <p:txBody>
+          <a:bodyPr anchorCtr="0" anchor="b" bIns="45700" lIns="91425" spcFirstLastPara="1" rIns="91425" wrap="square" tIns="45700">
+            <a:normAutofit fontScale="90000"/>
+          </a:bodyPr>
+          <a:lstStyle/>
+          <a:p>
+            <a:pPr indent="0" lvl="0" marL="0" rtl="0" algn="l">
+              <a:spcBef>
+                <a:spcPts val="0"/>
+              </a:spcBef>
+              <a:spcAft>
+                <a:spcPts val="0"/>
+              </a:spcAft>
+              <a:buClr>
+                <a:schemeClr val="lt2"/>
+              </a:buClr>
+              <a:buSzPts val="842"/>
+              <a:buFont typeface="Consolas"/>
+              <a:buNone/>
+            </a:pPr>
+            <a:r>
+              <a:rPr b="1" lang="en-GB" sz="4140">
+                <a:latin typeface="Consolas"/>
+                <a:ea typeface="Consolas"/>
+                <a:cs typeface="Consolas"/>
+                <a:sym typeface="Consolas"/>
+              </a:rPr>
+              <a:t>Mecánicas, dinámicas y estética</a:t>
+            </a:r>
+            <a:endParaRPr/>
+          </a:p>
+        </p:txBody>
+      </p:sp>
+      <p:pic>
+        <p:nvPicPr>
+          <p:cNvPr id="171" name="Google Shape;171;gc35822750a_0_2"/>
+          <p:cNvPicPr preferRelativeResize="0"/>
+          <p:nvPr/>
+        </p:nvPicPr>
+        <p:blipFill>
+          <a:blip r:embed="rId4">
+            <a:alphaModFix/>
+          </a:blip>
+          <a:stretch>
+            <a:fillRect/>
+          </a:stretch>
+        </p:blipFill>
+        <p:spPr>
+          <a:xfrm>
+            <a:off x="548775" y="4264475"/>
+            <a:ext cx="3008576" cy="3008576"/>
+          </a:xfrm>
+          <a:prstGeom prst="rect">
+            <a:avLst/>
+          </a:prstGeom>
+          <a:noFill/>
+          <a:ln>
+            <a:noFill/>
+          </a:ln>
+        </p:spPr>
+      </p:pic>
+      <p:pic>
+        <p:nvPicPr>
+          <p:cNvPr id="172" name="Google Shape;172;gc35822750a_0_2"/>
+          <p:cNvPicPr preferRelativeResize="0"/>
+          <p:nvPr/>
+        </p:nvPicPr>
+        <p:blipFill>
+          <a:blip r:embed="rId5">
+            <a:alphaModFix/>
+          </a:blip>
+          <a:stretch>
+            <a:fillRect/>
+          </a:stretch>
+        </p:blipFill>
+        <p:spPr>
+          <a:xfrm>
+            <a:off x="4895212" y="4264482"/>
+            <a:ext cx="3008576" cy="3008558"/>
+          </a:xfrm>
+          <a:prstGeom prst="rect">
+            <a:avLst/>
+          </a:prstGeom>
+          <a:noFill/>
+          <a:ln>
+            <a:noFill/>
+          </a:ln>
+        </p:spPr>
+      </p:pic>
+      <p:pic>
+        <p:nvPicPr>
+          <p:cNvPr id="173" name="Google Shape;173;gc35822750a_0_2"/>
+          <p:cNvPicPr preferRelativeResize="0"/>
+          <p:nvPr/>
+        </p:nvPicPr>
+        <p:blipFill>
+          <a:blip r:embed="rId6">
+            <a:alphaModFix/>
+          </a:blip>
+          <a:stretch>
+            <a:fillRect/>
+          </a:stretch>
+        </p:blipFill>
+        <p:spPr>
+          <a:xfrm>
+            <a:off x="8848825" y="4371562"/>
+            <a:ext cx="2794401" cy="2794401"/>
+          </a:xfrm>
+          <a:prstGeom prst="rect">
+            <a:avLst/>
+          </a:prstGeom>
+          <a:noFill/>
+          <a:ln>
+            <a:noFill/>
+          </a:ln>
+        </p:spPr>
+      </p:pic>
+      <p:sp>
+        <p:nvSpPr>
+          <p:cNvPr id="174" name="Google Shape;174;gc35822750a_0_2"/>
+          <p:cNvSpPr txBox="1"/>
+          <p:nvPr/>
+        </p:nvSpPr>
+        <p:spPr>
+          <a:xfrm>
+            <a:off x="1819700" y="1745150"/>
+            <a:ext cx="9159600" cy="2684400"/>
+          </a:xfrm>
+          <a:prstGeom prst="rect">
+            <a:avLst/>
+          </a:prstGeom>
+          <a:noFill/>
+          <a:ln>
+            <a:noFill/>
+          </a:ln>
+        </p:spPr>
+        <p:txBody>
+          <a:bodyPr anchorCtr="0" anchor="t" bIns="91425" lIns="91425" spcFirstLastPara="1" rIns="91425" wrap="square" tIns="91425">
+            <a:spAutoFit/>
+          </a:bodyPr>
+          <a:lstStyle/>
+          <a:p>
+            <a:pPr indent="0" lvl="0" marL="0" rtl="0" algn="l">
+              <a:spcBef>
+                <a:spcPts val="0"/>
+              </a:spcBef>
+              <a:spcAft>
+                <a:spcPts val="0"/>
+              </a:spcAft>
+              <a:buNone/>
+            </a:pPr>
+            <a:r>
+              <a:rPr b="1" lang="en-GB" sz="2240">
+                <a:solidFill>
+                  <a:schemeClr val="lt2"/>
+                </a:solidFill>
+                <a:latin typeface="Consolas"/>
+                <a:ea typeface="Consolas"/>
+                <a:cs typeface="Consolas"/>
+                <a:sym typeface="Consolas"/>
+              </a:rPr>
+              <a:t>Gestión</a:t>
+            </a:r>
+            <a:r>
+              <a:rPr b="1" lang="en-GB" sz="2240">
+                <a:solidFill>
+                  <a:schemeClr val="lt2"/>
+                </a:solidFill>
+                <a:latin typeface="Consolas"/>
+                <a:ea typeface="Consolas"/>
+                <a:cs typeface="Consolas"/>
+                <a:sym typeface="Consolas"/>
+              </a:rPr>
+              <a:t> de recursos									</a:t>
+            </a:r>
+            <a:r>
+              <a:rPr b="1" lang="en-GB" sz="2240">
+                <a:solidFill>
+                  <a:schemeClr val="lt2"/>
+                </a:solidFill>
+                <a:latin typeface="Consolas"/>
+                <a:ea typeface="Consolas"/>
+                <a:cs typeface="Consolas"/>
+                <a:sym typeface="Consolas"/>
+              </a:rPr>
+              <a:t>Exploración</a:t>
+            </a:r>
+            <a:endParaRPr b="1" sz="2240">
+              <a:solidFill>
+                <a:schemeClr val="lt2"/>
+              </a:solidFill>
+              <a:latin typeface="Consolas"/>
+              <a:ea typeface="Consolas"/>
+              <a:cs typeface="Consolas"/>
+              <a:sym typeface="Consolas"/>
+            </a:endParaRPr>
+          </a:p>
+          <a:p>
+            <a:pPr indent="0" lvl="0" marL="0" rtl="0" algn="l">
+              <a:spcBef>
+                <a:spcPts val="0"/>
+              </a:spcBef>
+              <a:spcAft>
+                <a:spcPts val="0"/>
+              </a:spcAft>
+              <a:buNone/>
+            </a:pPr>
+            <a:r>
+              <a:t/>
+            </a:r>
+            <a:endParaRPr b="1" sz="2240">
+              <a:solidFill>
+                <a:schemeClr val="lt2"/>
+              </a:solidFill>
+              <a:latin typeface="Consolas"/>
+              <a:ea typeface="Consolas"/>
+              <a:cs typeface="Consolas"/>
+              <a:sym typeface="Consolas"/>
+            </a:endParaRPr>
+          </a:p>
+          <a:p>
+            <a:pPr indent="0" lvl="0" marL="0" rtl="0" algn="l">
+              <a:spcBef>
+                <a:spcPts val="0"/>
+              </a:spcBef>
+              <a:spcAft>
+                <a:spcPts val="0"/>
+              </a:spcAft>
+              <a:buNone/>
+            </a:pPr>
+            <a:r>
+              <a:t/>
+            </a:r>
+            <a:endParaRPr b="1" sz="2240">
+              <a:solidFill>
+                <a:schemeClr val="lt2"/>
+              </a:solidFill>
+              <a:latin typeface="Consolas"/>
+              <a:ea typeface="Consolas"/>
+              <a:cs typeface="Consolas"/>
+              <a:sym typeface="Consolas"/>
+            </a:endParaRPr>
+          </a:p>
+          <a:p>
+            <a:pPr indent="0" lvl="0" marL="0" rtl="0" algn="l">
+              <a:spcBef>
+                <a:spcPts val="0"/>
+              </a:spcBef>
+              <a:spcAft>
+                <a:spcPts val="0"/>
+              </a:spcAft>
+              <a:buNone/>
+            </a:pPr>
+            <a:r>
+              <a:t/>
+            </a:r>
+            <a:endParaRPr b="1" sz="2240">
+              <a:solidFill>
+                <a:schemeClr val="lt2"/>
+              </a:solidFill>
+              <a:latin typeface="Consolas"/>
+              <a:ea typeface="Consolas"/>
+              <a:cs typeface="Consolas"/>
+              <a:sym typeface="Consolas"/>
+            </a:endParaRPr>
+          </a:p>
+          <a:p>
+            <a:pPr indent="0" lvl="0" marL="0" rtl="0" algn="l">
+              <a:spcBef>
+                <a:spcPts val="0"/>
+              </a:spcBef>
+              <a:spcAft>
+                <a:spcPts val="0"/>
+              </a:spcAft>
+              <a:buNone/>
+            </a:pPr>
+            <a:r>
+              <a:t/>
+            </a:r>
+            <a:endParaRPr b="1" sz="2240">
+              <a:solidFill>
+                <a:schemeClr val="lt2"/>
+              </a:solidFill>
+              <a:latin typeface="Consolas"/>
+              <a:ea typeface="Consolas"/>
+              <a:cs typeface="Consolas"/>
+              <a:sym typeface="Consolas"/>
+            </a:endParaRPr>
+          </a:p>
+          <a:p>
+            <a:pPr indent="457200" lvl="0" marL="0" rtl="0" algn="l">
+              <a:spcBef>
+                <a:spcPts val="0"/>
+              </a:spcBef>
+              <a:spcAft>
+                <a:spcPts val="0"/>
+              </a:spcAft>
+              <a:buClr>
+                <a:schemeClr val="dk1"/>
+              </a:buClr>
+              <a:buSzPts val="1100"/>
+              <a:buFont typeface="Arial"/>
+              <a:buNone/>
+            </a:pPr>
+            <a:r>
+              <a:rPr b="1" lang="en-GB" sz="2240">
+                <a:solidFill>
+                  <a:schemeClr val="lt2"/>
+                </a:solidFill>
+                <a:latin typeface="Consolas"/>
+                <a:ea typeface="Consolas"/>
+                <a:cs typeface="Consolas"/>
+                <a:sym typeface="Consolas"/>
+              </a:rPr>
+              <a:t>Supervivencia 										  Combate</a:t>
+            </a:r>
+            <a:endParaRPr b="1" sz="2240">
+              <a:solidFill>
+                <a:schemeClr val="lt2"/>
+              </a:solidFill>
+              <a:latin typeface="Consolas"/>
+              <a:ea typeface="Consolas"/>
+              <a:cs typeface="Consolas"/>
+              <a:sym typeface="Consolas"/>
+            </a:endParaRPr>
+          </a:p>
+          <a:p>
+            <a:pPr indent="0" lvl="0" marL="0" rtl="0" algn="l">
+              <a:spcBef>
+                <a:spcPts val="0"/>
+              </a:spcBef>
+              <a:spcAft>
+                <a:spcPts val="0"/>
+              </a:spcAft>
+              <a:buNone/>
+            </a:pPr>
+            <a:r>
+              <a:t/>
+            </a:r>
+            <a:endParaRPr>
+              <a:latin typeface="Lustria"/>
+              <a:ea typeface="Lustria"/>
+              <a:cs typeface="Lustria"/>
+              <a:sym typeface="Lustria"/>
+            </a:endParaRPr>
+          </a:p>
+          <a:p>
+            <a:pPr indent="0" lvl="0" marL="0" rtl="0" algn="l">
+              <a:spcBef>
+                <a:spcPts val="0"/>
+              </a:spcBef>
+              <a:spcAft>
+                <a:spcPts val="0"/>
+              </a:spcAft>
+              <a:buNone/>
+            </a:pPr>
+            <a:r>
+              <a:t/>
+            </a:r>
+            <a:endParaRPr>
+              <a:latin typeface="Lustria"/>
+              <a:ea typeface="Lustria"/>
+              <a:cs typeface="Lustria"/>
+              <a:sym typeface="Lustria"/>
+            </a:endParaRPr>
+          </a:p>
+        </p:txBody>
+      </p:sp>
+      <p:sp>
+        <p:nvSpPr>
+          <p:cNvPr id="175" name="Google Shape;175;gc35822750a_0_2"/>
+          <p:cNvSpPr txBox="1"/>
+          <p:nvPr/>
+        </p:nvSpPr>
+        <p:spPr>
+          <a:xfrm>
+            <a:off x="4310975" y="2595775"/>
+            <a:ext cx="5433600" cy="529500"/>
+          </a:xfrm>
+          <a:prstGeom prst="rect">
+            <a:avLst/>
+          </a:prstGeom>
+          <a:noFill/>
+          <a:ln>
+            <a:noFill/>
+          </a:ln>
+        </p:spPr>
+        <p:txBody>
+          <a:bodyPr anchorCtr="0" anchor="t" bIns="91425" lIns="91425" spcFirstLastPara="1" rIns="91425" wrap="square" tIns="91425">
+            <a:spAutoFit/>
+          </a:bodyPr>
+          <a:lstStyle/>
+          <a:p>
+            <a:pPr indent="457200" lvl="0" marL="0" rtl="0" algn="l">
+              <a:spcBef>
+                <a:spcPts val="0"/>
+              </a:spcBef>
+              <a:spcAft>
+                <a:spcPts val="0"/>
+              </a:spcAft>
+              <a:buClr>
+                <a:schemeClr val="dk1"/>
+              </a:buClr>
+              <a:buSzPts val="1100"/>
+              <a:buFont typeface="Arial"/>
+              <a:buNone/>
+            </a:pPr>
+            <a:r>
+              <a:rPr b="1" lang="en-GB" sz="2240">
+                <a:solidFill>
+                  <a:schemeClr val="lt2"/>
+                </a:solidFill>
+                <a:latin typeface="Consolas"/>
+                <a:ea typeface="Consolas"/>
+                <a:cs typeface="Consolas"/>
+                <a:sym typeface="Consolas"/>
+              </a:rPr>
+              <a:t> Ciclo refugio/saqueo</a:t>
+            </a:r>
+            <a:endParaRPr sz="2000">
+              <a:solidFill>
+                <a:srgbClr val="FFFFFF"/>
+              </a:solidFill>
+              <a:latin typeface="Lustria"/>
+              <a:ea typeface="Lustria"/>
+              <a:cs typeface="Lustria"/>
+              <a:sym typeface="Lustria"/>
+            </a:endParaRPr>
+          </a:p>
+        </p:txBody>
+      </p:sp>
+    </p:spTree>
+  </p:cSld>
+  <p:clrMapOvr>
+    <a:masterClrMapping/>
+  </p:clrMapOvr>
+  <p:timing>
+    <p:tnLst>
+      <p:par>
+        <p:cTn dur="indefinite" nodeType="tmRoot" restart="never">
+          <p:childTnLst>
+            <p:seq concurrent="1" nextAc="seek">
+              <p:cTn dur="indefinite" id="2" nodeType="mainSeq">
+                <p:childTnLst>
+                  <p:par>
+                    <p:cTn fill="hold">
+                      <p:stCondLst>
+                        <p:cond delay="indefinite"/>
+                      </p:stCondLst>
+                      <p:childTnLst>
+                        <p:par>
+                          <p:cTn fill="hold">
+                            <p:stCondLst>
+                              <p:cond delay="0"/>
+                            </p:stCondLst>
+                            <p:childTnLst>
+                              <p:par>
+                                <p:cTn fill="hold" nodeType="clickEffect" presetClass="entr" presetID="10" presetSubtype="0">
+                                  <p:stCondLst>
+                                    <p:cond delay="0"/>
+                                  </p:stCondLst>
+                                  <p:childTnLst>
+                                    <p:set>
+                                      <p:cBhvr>
+                                        <p:cTn dur="1" fill="hold">
+                                          <p:stCondLst>
+                                            <p:cond delay="0"/>
+                                          </p:stCondLst>
+                                        </p:cTn>
+                                        <p:tgtEl>
+                                          <p:spTgt spid="171"/>
+                                        </p:tgtEl>
+                                        <p:attrNameLst>
+                                          <p:attrName>style.visibility</p:attrName>
+                                        </p:attrNameLst>
+                                      </p:cBhvr>
+                                      <p:to>
+                                        <p:strVal val="visible"/>
+                                      </p:to>
+                                    </p:set>
+                                    <p:animEffect filter="fade" transition="in">
+                                      <p:cBhvr>
+                                        <p:cTn dur="1000"/>
+                                        <p:tgtEl>
+                                          <p:spTgt spid="171"/>
+                                        </p:tgtEl>
+                                      </p:cBhvr>
+                                    </p:animEffect>
+                                  </p:childTnLst>
+                                </p:cTn>
+                              </p:par>
+                            </p:childTnLst>
+                          </p:cTn>
+                        </p:par>
+                        <p:par>
+                          <p:cTn fill="hold">
+                            <p:stCondLst>
+                              <p:cond delay="1000"/>
+                            </p:stCondLst>
+                            <p:childTnLst>
+                              <p:par>
+                                <p:cTn fill="hold" nodeType="afterEffect" presetClass="entr" presetID="10" presetSubtype="0">
+                                  <p:stCondLst>
+                                    <p:cond delay="0"/>
+                                  </p:stCondLst>
+                                  <p:childTnLst>
+                                    <p:set>
+                                      <p:cBhvr>
+                                        <p:cTn dur="1" fill="hold">
+                                          <p:stCondLst>
+                                            <p:cond delay="0"/>
+                                          </p:stCondLst>
+                                        </p:cTn>
+                                        <p:tgtEl>
+                                          <p:spTgt spid="172"/>
+                                        </p:tgtEl>
+                                        <p:attrNameLst>
+                                          <p:attrName>style.visibility</p:attrName>
+                                        </p:attrNameLst>
+                                      </p:cBhvr>
+                                      <p:to>
+                                        <p:strVal val="visible"/>
+                                      </p:to>
+                                    </p:set>
+                                    <p:animEffect filter="fade" transition="in">
+                                      <p:cBhvr>
+                                        <p:cTn dur="1000"/>
+                                        <p:tgtEl>
+                                          <p:spTgt spid="172"/>
+                                        </p:tgtEl>
+                                      </p:cBhvr>
+                                    </p:animEffect>
+                                  </p:childTnLst>
+                                </p:cTn>
+                              </p:par>
+                            </p:childTnLst>
+                          </p:cTn>
+                        </p:par>
+                        <p:par>
+                          <p:cTn fill="hold">
+                            <p:stCondLst>
+                              <p:cond delay="2000"/>
+                            </p:stCondLst>
+                            <p:childTnLst>
+                              <p:par>
+                                <p:cTn fill="hold" nodeType="afterEffect" presetClass="entr" presetID="10" presetSubtype="0">
+                                  <p:stCondLst>
+                                    <p:cond delay="0"/>
+                                  </p:stCondLst>
+                                  <p:childTnLst>
+                                    <p:set>
+                                      <p:cBhvr>
+                                        <p:cTn dur="1" fill="hold">
+                                          <p:stCondLst>
+                                            <p:cond delay="0"/>
+                                          </p:stCondLst>
+                                        </p:cTn>
+                                        <p:tgtEl>
+                                          <p:spTgt spid="173"/>
+                                        </p:tgtEl>
+                                        <p:attrNameLst>
+                                          <p:attrName>style.visibility</p:attrName>
+                                        </p:attrNameLst>
+                                      </p:cBhvr>
+                                      <p:to>
+                                        <p:strVal val="visible"/>
+                                      </p:to>
+                                    </p:set>
+                                    <p:animEffect filter="fade" transition="in">
+                                      <p:cBhvr>
+                                        <p:cTn dur="1000"/>
+                                        <p:tgtEl>
+                                          <p:spTgt spid="173"/>
+                                        </p:tgtEl>
+                                      </p:cBhvr>
+                                    </p:animEffect>
+                                  </p:childTnLst>
+                                </p:cTn>
+                              </p:par>
+                            </p:childTnLst>
+                          </p:cTn>
+                        </p:par>
+                      </p:childTnLst>
+                    </p:cTn>
+                  </p:par>
+                </p:childTnLst>
+              </p:cTn>
+              <p:prevCondLst>
+                <p:cond evt="onPrev">
+                  <p:tgtEl>
+                    <p:sldTgt/>
+                  </p:tgtEl>
+                </p:cond>
+              </p:prevCondLst>
+              <p:nextCondLst>
+                <p:cond evt="onNext">
+                  <p:tgtEl>
+                    <p:sldTgt/>
+                  </p:tgtEl>
+                </p:cond>
+              </p:nextCondLst>
+            </p:seq>
+          </p:childTnLst>
+        </p:cTn>
+      </p:par>
+    </p:tnLst>
+  </p:timing>
+</p:sld>
+</file>
+
+<file path=ppt/slides/slide4.xml><?xml version="1.0" encoding="utf-8"?>
+<p:sld xmlns:a="http://schemas.openxmlformats.org/drawingml/2006/main" xmlns:r="http://schemas.openxmlformats.org/officeDocument/2006/relationships" xmlns:mc="http://schemas.openxmlformats.org/markup-compatibility/2006" xmlns:mv="urn:schemas-microsoft-com:mac:vml" xmlns:p="http://schemas.openxmlformats.org/presentationml/2006/main" xmlns:c="http://schemas.openxmlformats.org/drawingml/2006/chart" xmlns:dgm="http://schemas.openxmlformats.org/drawingml/2006/diagram" xmlns:o="urn:schemas-microsoft-com:office:office" xmlns:v="urn:schemas-microsoft-com:vml" xmlns:pvml="urn:schemas-microsoft-com:office:powerpoint" xmlns:com="http://schemas.openxmlformats.org/drawingml/2006/compatibility" xmlns:p14="http://schemas.microsoft.com/office/powerpoint/2010/main" xmlns:p15="http://schemas.microsoft.com/office/powerpoint/2012/main" xmlns:ahyp="http://schemas.microsoft.com/office/drawing/2018/hyperlinkcolor">
+  <p:cSld>
+    <p:spTree>
+      <p:nvGrpSpPr>
+        <p:cNvPr id="180" name="Shape 180"/>
+        <p:cNvGrpSpPr/>
+        <p:nvPr/>
+      </p:nvGrpSpPr>
+      <p:grpSpPr>
+        <a:xfrm>
+          <a:off x="0" y="0"/>
+          <a:ext cx="0" cy="0"/>
+          <a:chOff x="0" y="0"/>
+          <a:chExt cx="0" cy="0"/>
+        </a:xfrm>
+      </p:grpSpPr>
+      <p:sp>
+        <p:nvSpPr>
+          <p:cNvPr id="181" name="Google Shape;181;gc68cfcf6e3_0_37"/>
+          <p:cNvSpPr txBox="1"/>
+          <p:nvPr>
+            <p:ph idx="1" type="subTitle"/>
+          </p:nvPr>
+        </p:nvSpPr>
+        <p:spPr>
+          <a:xfrm>
+            <a:off x="1902900" y="156000"/>
+            <a:ext cx="8386200" cy="1050000"/>
+          </a:xfrm>
+          <a:prstGeom prst="rect">
+            <a:avLst/>
+          </a:prstGeom>
+        </p:spPr>
+        <p:txBody>
+          <a:bodyPr anchorCtr="0" anchor="t" bIns="45700" lIns="91425" spcFirstLastPara="1" rIns="91425" wrap="square" tIns="45700">
+            <a:noAutofit/>
+          </a:bodyPr>
+          <a:lstStyle/>
+          <a:p>
+            <a:pPr indent="0" lvl="0" marL="0" rtl="0" algn="l">
+              <a:spcBef>
+                <a:spcPts val="0"/>
+              </a:spcBef>
+              <a:spcAft>
+                <a:spcPts val="0"/>
+              </a:spcAft>
+              <a:buClr>
+                <a:schemeClr val="lt2"/>
+              </a:buClr>
+              <a:buSzPts val="935"/>
+              <a:buFont typeface="Consolas"/>
+              <a:buNone/>
+            </a:pPr>
+            <a:r>
+              <a:rPr b="1" lang="en-GB" sz="4140">
+                <a:solidFill>
+                  <a:schemeClr val="lt2"/>
+                </a:solidFill>
+                <a:latin typeface="Consolas"/>
+                <a:ea typeface="Consolas"/>
+                <a:cs typeface="Consolas"/>
+                <a:sym typeface="Consolas"/>
+              </a:rPr>
+              <a:t>¿Qué ha ido bien y qué mal?</a:t>
+            </a:r>
+            <a:endParaRPr sz="2100"/>
+          </a:p>
+        </p:txBody>
+      </p:sp>
+      <p:pic>
+        <p:nvPicPr>
+          <p:cNvPr id="182" name="Google Shape;182;gc68cfcf6e3_0_37"/>
+          <p:cNvPicPr preferRelativeResize="0"/>
+          <p:nvPr/>
+        </p:nvPicPr>
+        <p:blipFill>
+          <a:blip r:embed="rId4">
+            <a:alphaModFix/>
+          </a:blip>
+          <a:stretch>
+            <a:fillRect/>
+          </a:stretch>
+        </p:blipFill>
+        <p:spPr>
+          <a:xfrm>
+            <a:off x="955900" y="2098913"/>
+            <a:ext cx="4729200" cy="2660175"/>
+          </a:xfrm>
+          <a:prstGeom prst="rect">
+            <a:avLst/>
+          </a:prstGeom>
+          <a:noFill/>
+          <a:ln>
+            <a:noFill/>
+          </a:ln>
+        </p:spPr>
+      </p:pic>
+      <p:pic>
+        <p:nvPicPr>
+          <p:cNvPr id="183" name="Google Shape;183;gc68cfcf6e3_0_37"/>
+          <p:cNvPicPr preferRelativeResize="0"/>
+          <p:nvPr/>
+        </p:nvPicPr>
+        <p:blipFill>
+          <a:blip r:embed="rId5">
+            <a:alphaModFix/>
+          </a:blip>
+          <a:stretch>
+            <a:fillRect/>
+          </a:stretch>
+        </p:blipFill>
+        <p:spPr>
+          <a:xfrm>
+            <a:off x="5837500" y="1206000"/>
+            <a:ext cx="2228850" cy="5191125"/>
+          </a:xfrm>
+          <a:prstGeom prst="rect">
+            <a:avLst/>
+          </a:prstGeom>
+          <a:noFill/>
+          <a:ln>
+            <a:noFill/>
+          </a:ln>
+        </p:spPr>
+      </p:pic>
+      <p:pic>
+        <p:nvPicPr>
+          <p:cNvPr id="184" name="Google Shape;184;gc68cfcf6e3_0_37"/>
+          <p:cNvPicPr preferRelativeResize="0"/>
+          <p:nvPr/>
+        </p:nvPicPr>
+        <p:blipFill>
+          <a:blip r:embed="rId6">
+            <a:alphaModFix/>
+          </a:blip>
+          <a:stretch>
+            <a:fillRect/>
+          </a:stretch>
+        </p:blipFill>
+        <p:spPr>
+          <a:xfrm>
+            <a:off x="8218750" y="1406213"/>
+            <a:ext cx="3820849" cy="4045605"/>
+          </a:xfrm>
+          <a:prstGeom prst="rect">
+            <a:avLst/>
+          </a:prstGeom>
+          <a:noFill/>
+          <a:ln>
+            <a:noFill/>
+          </a:ln>
+        </p:spPr>
+      </p:pic>
+    </p:spTree>
+  </p:cSld>
+  <p:clrMapOvr>
+    <a:masterClrMapping/>
+  </p:clrMapOvr>
+</p:sld>
+</file>
+
+<file path=ppt/slides/slide5.xml><?xml version="1.0" encoding="utf-8"?>
+<p:sld xmlns:a="http://schemas.openxmlformats.org/drawingml/2006/main" xmlns:r="http://schemas.openxmlformats.org/officeDocument/2006/relationships" xmlns:mc="http://schemas.openxmlformats.org/markup-compatibility/2006" xmlns:mv="urn:schemas-microsoft-com:mac:vml" xmlns:p="http://schemas.openxmlformats.org/presentationml/2006/main" xmlns:c="http://schemas.openxmlformats.org/drawingml/2006/chart" xmlns:dgm="http://schemas.openxmlformats.org/drawingml/2006/diagram" xmlns:o="urn:schemas-microsoft-com:office:office" xmlns:v="urn:schemas-microsoft-com:vml" xmlns:pvml="urn:schemas-microsoft-com:office:powerpoint" xmlns:com="http://schemas.openxmlformats.org/drawingml/2006/compatibility" xmlns:p14="http://schemas.microsoft.com/office/powerpoint/2010/main" xmlns:p15="http://schemas.microsoft.com/office/powerpoint/2012/main" xmlns:ahyp="http://schemas.microsoft.com/office/drawing/2018/hyperlinkcolor">
+  <p:cSld>
+    <p:spTree>
+      <p:nvGrpSpPr>
+        <p:cNvPr id="189" name="Shape 189"/>
+        <p:cNvGrpSpPr/>
+        <p:nvPr/>
+      </p:nvGrpSpPr>
+      <p:grpSpPr>
+        <a:xfrm>
+          <a:off x="0" y="0"/>
+          <a:ext cx="0" cy="0"/>
+          <a:chOff x="0" y="0"/>
+          <a:chExt cx="0" cy="0"/>
+        </a:xfrm>
+      </p:grpSpPr>
+      <p:sp>
+        <p:nvSpPr>
+          <p:cNvPr id="190" name="Google Shape;190;gc68cfcf6e3_0_1"/>
           <p:cNvSpPr txBox="1"/>
           <p:nvPr>
             <p:ph idx="1" type="subTitle"/>
@@ -18907,7 +20415,7 @@
       </p:sp>
       <p:sp>
         <p:nvSpPr>
-          <p:cNvPr id="164" name="Google Shape;164;gc68cfcf6e3_0_1"/>
+          <p:cNvPr id="191" name="Google Shape;191;gc68cfcf6e3_0_1"/>
           <p:cNvSpPr txBox="1"/>
           <p:nvPr/>
         </p:nvSpPr>
@@ -19150,7 +20658,7 @@
       </p:sp>
       <p:sp>
         <p:nvSpPr>
-          <p:cNvPr id="165" name="Google Shape;165;gc68cfcf6e3_0_1"/>
+          <p:cNvPr id="192" name="Google Shape;192;gc68cfcf6e3_0_1"/>
           <p:cNvSpPr/>
           <p:nvPr/>
         </p:nvSpPr>
@@ -19202,7 +20710,7 @@
       </p:sp>
       <p:sp>
         <p:nvSpPr>
-          <p:cNvPr id="166" name="Google Shape;166;gc68cfcf6e3_0_1"/>
+          <p:cNvPr id="193" name="Google Shape;193;gc68cfcf6e3_0_1"/>
           <p:cNvSpPr/>
           <p:nvPr/>
         </p:nvSpPr>
@@ -19254,7 +20762,7 @@
       </p:sp>
       <p:sp>
         <p:nvSpPr>
-          <p:cNvPr id="167" name="Google Shape;167;gc68cfcf6e3_0_1"/>
+          <p:cNvPr id="194" name="Google Shape;194;gc68cfcf6e3_0_1"/>
           <p:cNvSpPr/>
           <p:nvPr/>
         </p:nvSpPr>
@@ -19306,7 +20814,7 @@
       </p:sp>
       <p:sp>
         <p:nvSpPr>
-          <p:cNvPr id="168" name="Google Shape;168;gc68cfcf6e3_0_1"/>
+          <p:cNvPr id="195" name="Google Shape;195;gc68cfcf6e3_0_1"/>
           <p:cNvSpPr/>
           <p:nvPr/>
         </p:nvSpPr>
@@ -19358,12 +20866,12 @@
       </p:sp>
       <p:pic>
         <p:nvPicPr>
-          <p:cNvPr id="169" name="Google Shape;169;gc68cfcf6e3_0_1"/>
+          <p:cNvPr id="196" name="Google Shape;196;gc68cfcf6e3_0_1"/>
           <p:cNvPicPr preferRelativeResize="0"/>
           <p:nvPr/>
         </p:nvPicPr>
         <p:blipFill rotWithShape="1">
-          <a:blip r:embed="rId3">
+          <a:blip r:embed="rId4">
             <a:alphaModFix/>
           </a:blip>
           <a:srcRect b="0" l="0" r="48733" t="0"/>
@@ -19385,12 +20893,12 @@
       </p:pic>
       <p:pic>
         <p:nvPicPr>
-          <p:cNvPr id="170" name="Google Shape;170;gc68cfcf6e3_0_1"/>
+          <p:cNvPr id="197" name="Google Shape;197;gc68cfcf6e3_0_1"/>
           <p:cNvPicPr preferRelativeResize="0"/>
           <p:nvPr/>
         </p:nvPicPr>
         <p:blipFill rotWithShape="1">
-          <a:blip r:embed="rId3">
+          <a:blip r:embed="rId4">
             <a:alphaModFix/>
           </a:blip>
           <a:srcRect b="0" l="0" r="48733" t="0"/>
@@ -19412,12 +20920,12 @@
       </p:pic>
       <p:pic>
         <p:nvPicPr>
-          <p:cNvPr id="171" name="Google Shape;171;gc68cfcf6e3_0_1"/>
+          <p:cNvPr id="198" name="Google Shape;198;gc68cfcf6e3_0_1"/>
           <p:cNvPicPr preferRelativeResize="0"/>
           <p:nvPr/>
         </p:nvPicPr>
         <p:blipFill rotWithShape="1">
-          <a:blip r:embed="rId3">
+          <a:blip r:embed="rId4">
             <a:alphaModFix/>
           </a:blip>
           <a:srcRect b="0" l="0" r="48733" t="0"/>
@@ -19439,12 +20947,12 @@
       </p:pic>
       <p:pic>
         <p:nvPicPr>
-          <p:cNvPr id="172" name="Google Shape;172;gc68cfcf6e3_0_1"/>
+          <p:cNvPr id="199" name="Google Shape;199;gc68cfcf6e3_0_1"/>
           <p:cNvPicPr preferRelativeResize="0"/>
           <p:nvPr/>
         </p:nvPicPr>
         <p:blipFill rotWithShape="1">
-          <a:blip r:embed="rId3">
+          <a:blip r:embed="rId4">
             <a:alphaModFix/>
           </a:blip>
           <a:srcRect b="0" l="0" r="48733" t="0"/>
@@ -19503,7 +21011,7 @@
                                           </p:stCondLst>
                                         </p:cTn>
                                         <p:tgtEl>
-                                          <p:spTgt spid="165"/>
+                                          <p:spTgt spid="192"/>
                                         </p:tgtEl>
                                         <p:attrNameLst>
                                           <p:attrName>style.visibility</p:attrName>
@@ -19517,7 +21025,7 @@
                                       <p:cBhvr>
                                         <p:cTn dur="1000"/>
                                         <p:tgtEl>
-                                          <p:spTgt spid="165"/>
+                                          <p:spTgt spid="192"/>
                                         </p:tgtEl>
                                       </p:cBhvr>
                                     </p:animEffect>
@@ -19538,7 +21046,7 @@
                                           </p:stCondLst>
                                         </p:cTn>
                                         <p:tgtEl>
-                                          <p:spTgt spid="166"/>
+                                          <p:spTgt spid="193"/>
                                         </p:tgtEl>
                                         <p:attrNameLst>
                                           <p:attrName>style.visibility</p:attrName>
@@ -19552,7 +21060,7 @@
                                       <p:cBhvr>
                                         <p:cTn dur="1000"/>
                                         <p:tgtEl>
-                                          <p:spTgt spid="166"/>
+                                          <p:spTgt spid="193"/>
                                         </p:tgtEl>
                                       </p:cBhvr>
                                     </p:animEffect>
@@ -19573,7 +21081,7 @@
                                           </p:stCondLst>
                                         </p:cTn>
                                         <p:tgtEl>
-                                          <p:spTgt spid="167"/>
+                                          <p:spTgt spid="194"/>
                                         </p:tgtEl>
                                         <p:attrNameLst>
                                           <p:attrName>style.visibility</p:attrName>
@@ -19587,7 +21095,7 @@
                                       <p:cBhvr>
                                         <p:cTn dur="1000"/>
                                         <p:tgtEl>
-                                          <p:spTgt spid="167"/>
+                                          <p:spTgt spid="194"/>
                                         </p:tgtEl>
                                       </p:cBhvr>
                                     </p:animEffect>
@@ -19608,7 +21116,7 @@
                                           </p:stCondLst>
                                         </p:cTn>
                                         <p:tgtEl>
-                                          <p:spTgt spid="168"/>
+                                          <p:spTgt spid="195"/>
                                         </p:tgtEl>
                                         <p:attrNameLst>
                                           <p:attrName>style.visibility</p:attrName>
@@ -19622,7 +21130,7 @@
                                       <p:cBhvr>
                                         <p:cTn dur="1000"/>
                                         <p:tgtEl>
-                                          <p:spTgt spid="168"/>
+                                          <p:spTgt spid="195"/>
                                         </p:tgtEl>
                                       </p:cBhvr>
                                     </p:animEffect>
@@ -19661,7 +21169,7 @@
                                           </p:stCondLst>
                                         </p:cTn>
                                         <p:tgtEl>
-                                          <p:spTgt spid="170"/>
+                                          <p:spTgt spid="197"/>
                                         </p:tgtEl>
                                         <p:attrNameLst>
                                           <p:attrName>style.visibility</p:attrName>
@@ -19675,7 +21183,7 @@
                                       <p:cBhvr>
                                         <p:cTn dur="1000"/>
                                         <p:tgtEl>
-                                          <p:spTgt spid="170"/>
+                                          <p:spTgt spid="197"/>
                                         </p:tgtEl>
                                       </p:cBhvr>
                                     </p:animEffect>
@@ -19714,7 +21222,7 @@
                                           </p:stCondLst>
                                         </p:cTn>
                                         <p:tgtEl>
-                                          <p:spTgt spid="171"/>
+                                          <p:spTgt spid="198"/>
                                         </p:tgtEl>
                                         <p:attrNameLst>
                                           <p:attrName>style.visibility</p:attrName>
@@ -19728,7 +21236,7 @@
                                       <p:cBhvr>
                                         <p:cTn dur="1000"/>
                                         <p:tgtEl>
-                                          <p:spTgt spid="171"/>
+                                          <p:spTgt spid="198"/>
                                         </p:tgtEl>
                                       </p:cBhvr>
                                     </p:animEffect>
@@ -19767,7 +21275,7 @@
                                           </p:stCondLst>
                                         </p:cTn>
                                         <p:tgtEl>
-                                          <p:spTgt spid="169"/>
+                                          <p:spTgt spid="196"/>
                                         </p:tgtEl>
                                         <p:attrNameLst>
                                           <p:attrName>style.visibility</p:attrName>
@@ -19781,7 +21289,7 @@
                                       <p:cBhvr>
                                         <p:cTn dur="1000"/>
                                         <p:tgtEl>
-                                          <p:spTgt spid="169"/>
+                                          <p:spTgt spid="196"/>
                                         </p:tgtEl>
                                       </p:cBhvr>
                                     </p:animEffect>
@@ -19820,7 +21328,7 @@
                                           </p:stCondLst>
                                         </p:cTn>
                                         <p:tgtEl>
-                                          <p:spTgt spid="172"/>
+                                          <p:spTgt spid="199"/>
                                         </p:tgtEl>
                                         <p:attrNameLst>
                                           <p:attrName>style.visibility</p:attrName>
@@ -19834,7 +21342,7 @@
                                       <p:cBhvr>
                                         <p:cTn dur="1000"/>
                                         <p:tgtEl>
-                                          <p:spTgt spid="172"/>
+                                          <p:spTgt spid="199"/>
                                         </p:tgtEl>
                                       </p:cBhvr>
                                     </p:animEffect>
@@ -19872,12 +21380,12 @@
 </p:sld>
 </file>
 
-<file path=ppt/slides/slide4.xml><?xml version="1.0" encoding="utf-8"?>
+<file path=ppt/slides/slide6.xml><?xml version="1.0" encoding="utf-8"?>
 <p:sld xmlns:a="http://schemas.openxmlformats.org/drawingml/2006/main" xmlns:r="http://schemas.openxmlformats.org/officeDocument/2006/relationships" xmlns:mc="http://schemas.openxmlformats.org/markup-compatibility/2006" xmlns:mv="urn:schemas-microsoft-com:mac:vml" xmlns:p="http://schemas.openxmlformats.org/presentationml/2006/main" xmlns:c="http://schemas.openxmlformats.org/drawingml/2006/chart" xmlns:dgm="http://schemas.openxmlformats.org/drawingml/2006/diagram" xmlns:o="urn:schemas-microsoft-com:office:office" xmlns:v="urn:schemas-microsoft-com:vml" xmlns:pvml="urn:schemas-microsoft-com:office:powerpoint" xmlns:com="http://schemas.openxmlformats.org/drawingml/2006/compatibility" xmlns:p14="http://schemas.microsoft.com/office/powerpoint/2010/main" xmlns:p15="http://schemas.microsoft.com/office/powerpoint/2012/main" xmlns:ahyp="http://schemas.microsoft.com/office/drawing/2018/hyperlinkcolor">
   <p:cSld>
     <p:spTree>
       <p:nvGrpSpPr>
-        <p:cNvPr id="177" name="Shape 177"/>
+        <p:cNvPr id="204" name="Shape 204"/>
         <p:cNvGrpSpPr/>
         <p:nvPr/>
       </p:nvGrpSpPr>
@@ -19891,7 +21399,7 @@
       </p:grpSpPr>
       <p:sp>
         <p:nvSpPr>
-          <p:cNvPr id="178" name="Google Shape;178;gc68cfcf6e3_0_18"/>
+          <p:cNvPr id="205" name="Google Shape;205;gc68cfcf6e3_0_18"/>
           <p:cNvSpPr txBox="1"/>
           <p:nvPr>
             <p:ph idx="1" type="subTitle"/>
@@ -19940,7 +21448,7 @@
       </p:sp>
       <p:sp>
         <p:nvSpPr>
-          <p:cNvPr id="179" name="Google Shape;179;gc68cfcf6e3_0_18"/>
+          <p:cNvPr id="206" name="Google Shape;206;gc68cfcf6e3_0_18"/>
           <p:cNvSpPr txBox="1"/>
           <p:nvPr/>
         </p:nvSpPr>
@@ -19998,7 +21506,7 @@
       </p:sp>
       <p:sp>
         <p:nvSpPr>
-          <p:cNvPr id="180" name="Google Shape;180;gc68cfcf6e3_0_18"/>
+          <p:cNvPr id="207" name="Google Shape;207;gc68cfcf6e3_0_18"/>
           <p:cNvSpPr txBox="1"/>
           <p:nvPr/>
         </p:nvSpPr>
@@ -20056,7 +21564,7 @@
       </p:sp>
       <p:sp>
         <p:nvSpPr>
-          <p:cNvPr id="181" name="Google Shape;181;gc68cfcf6e3_0_18"/>
+          <p:cNvPr id="208" name="Google Shape;208;gc68cfcf6e3_0_18"/>
           <p:cNvSpPr txBox="1"/>
           <p:nvPr/>
         </p:nvSpPr>
@@ -20114,7 +21622,7 @@
       </p:sp>
       <p:sp>
         <p:nvSpPr>
-          <p:cNvPr id="182" name="Google Shape;182;gc68cfcf6e3_0_18"/>
+          <p:cNvPr id="209" name="Google Shape;209;gc68cfcf6e3_0_18"/>
           <p:cNvSpPr txBox="1"/>
           <p:nvPr/>
         </p:nvSpPr>
@@ -20209,7 +21717,7 @@
                                           </p:stCondLst>
                                         </p:cTn>
                                         <p:tgtEl>
-                                          <p:spTgt spid="179"/>
+                                          <p:spTgt spid="206"/>
                                         </p:tgtEl>
                                         <p:attrNameLst>
                                           <p:attrName>style.visibility</p:attrName>
@@ -20223,7 +21731,7 @@
                                       <p:cBhvr>
                                         <p:cTn dur="1000"/>
                                         <p:tgtEl>
-                                          <p:spTgt spid="179"/>
+                                          <p:spTgt spid="206"/>
                                         </p:tgtEl>
                                       </p:cBhvr>
                                     </p:animEffect>
@@ -20262,7 +21770,7 @@
                                           </p:stCondLst>
                                         </p:cTn>
                                         <p:tgtEl>
-                                          <p:spTgt spid="182"/>
+                                          <p:spTgt spid="209"/>
                                         </p:tgtEl>
                                         <p:attrNameLst>
                                           <p:attrName>style.visibility</p:attrName>
@@ -20276,7 +21784,7 @@
                                       <p:cBhvr>
                                         <p:cTn dur="1000"/>
                                         <p:tgtEl>
-                                          <p:spTgt spid="182"/>
+                                          <p:spTgt spid="209"/>
                                         </p:tgtEl>
                                       </p:cBhvr>
                                     </p:animEffect>
@@ -20315,7 +21823,7 @@
                                           </p:stCondLst>
                                         </p:cTn>
                                         <p:tgtEl>
-                                          <p:spTgt spid="181"/>
+                                          <p:spTgt spid="208"/>
                                         </p:tgtEl>
                                         <p:attrNameLst>
                                           <p:attrName>style.visibility</p:attrName>
@@ -20329,7 +21837,7 @@
                                       <p:cBhvr>
                                         <p:cTn dur="1000"/>
                                         <p:tgtEl>
-                                          <p:spTgt spid="181"/>
+                                          <p:spTgt spid="208"/>
                                         </p:tgtEl>
                                       </p:cBhvr>
                                     </p:animEffect>
@@ -20368,7 +21876,7 @@
                                           </p:stCondLst>
                                         </p:cTn>
                                         <p:tgtEl>
-                                          <p:spTgt spid="180"/>
+                                          <p:spTgt spid="207"/>
                                         </p:tgtEl>
                                         <p:attrNameLst>
                                           <p:attrName>style.visibility</p:attrName>
@@ -20382,7 +21890,7 @@
                                       <p:cBhvr>
                                         <p:cTn dur="1000"/>
                                         <p:tgtEl>
-                                          <p:spTgt spid="180"/>
+                                          <p:spTgt spid="207"/>
                                         </p:tgtEl>
                                       </p:cBhvr>
                                     </p:animEffect>
@@ -20421,6 +21929,285 @@
 </file>
 
 <file path=ppt/theme/theme1.xml><?xml version="1.0" encoding="utf-8"?>
+<a:theme xmlns:a="http://schemas.openxmlformats.org/drawingml/2006/main" xmlns:r="http://schemas.openxmlformats.org/officeDocument/2006/relationships" name="Pizarra">
+  <a:themeElements>
+    <a:clrScheme name="Pizarra">
+      <a:dk1>
+        <a:srgbClr val="000000"/>
+      </a:dk1>
+      <a:lt1>
+        <a:srgbClr val="FFFFFF"/>
+      </a:lt1>
+      <a:dk2>
+        <a:srgbClr val="212123"/>
+      </a:dk2>
+      <a:lt2>
+        <a:srgbClr val="DADADA"/>
+      </a:lt2>
+      <a:accent1>
+        <a:srgbClr val="BC451B"/>
+      </a:accent1>
+      <a:accent2>
+        <a:srgbClr val="D3BA68"/>
+      </a:accent2>
+      <a:accent3>
+        <a:srgbClr val="BB8640"/>
+      </a:accent3>
+      <a:accent4>
+        <a:srgbClr val="AD9277"/>
+      </a:accent4>
+      <a:accent5>
+        <a:srgbClr val="A55A43"/>
+      </a:accent5>
+      <a:accent6>
+        <a:srgbClr val="AD9D7B"/>
+      </a:accent6>
+      <a:hlink>
+        <a:srgbClr val="E98052"/>
+      </a:hlink>
+      <a:folHlink>
+        <a:srgbClr val="F4B69B"/>
+      </a:folHlink>
+    </a:clrScheme>
+    <a:fontScheme name="Office">
+      <a:majorFont>
+        <a:latin typeface="Arial"/>
+        <a:ea typeface=""/>
+        <a:cs typeface=""/>
+        <a:font script="Jpan" typeface="ＭＳ Ｐゴシック"/>
+        <a:font script="Hang" typeface="맑은 고딕"/>
+        <a:font script="Hans" typeface="宋体"/>
+        <a:font script="Hant" typeface="新細明體"/>
+        <a:font script="Arab" typeface="Times New Roman"/>
+        <a:font script="Hebr" typeface="Times New Roman"/>
+        <a:font script="Thai" typeface="Angsana New"/>
+        <a:font script="Ethi" typeface="Nyala"/>
+        <a:font script="Beng" typeface="Vrinda"/>
+        <a:font script="Gujr" typeface="Shruti"/>
+        <a:font script="Khmr" typeface="MoolBoran"/>
+        <a:font script="Knda" typeface="Tunga"/>
+        <a:font script="Guru" typeface="Raavi"/>
+        <a:font script="Cans" typeface="Euphemia"/>
+        <a:font script="Cher" typeface="Plantagenet Cherokee"/>
+        <a:font script="Yiii" typeface="Microsoft Yi Baiti"/>
+        <a:font script="Tibt" typeface="Microsoft Himalaya"/>
+        <a:font script="Thaa" typeface="MV Boli"/>
+        <a:font script="Deva" typeface="Mangal"/>
+        <a:font script="Telu" typeface="Gautami"/>
+        <a:font script="Taml" typeface="Latha"/>
+        <a:font script="Syrc" typeface="Estrangelo Edessa"/>
+        <a:font script="Orya" typeface="Kalinga"/>
+        <a:font script="Mlym" typeface="Kartika"/>
+        <a:font script="Laoo" typeface="DokChampa"/>
+        <a:font script="Sinh" typeface="Iskoola Pota"/>
+        <a:font script="Mong" typeface="Mongolian Baiti"/>
+        <a:font script="Viet" typeface="Times New Roman"/>
+        <a:font script="Uigh" typeface="Microsoft Uighur"/>
+        <a:font script="Geor" typeface="Sylfaen"/>
+      </a:majorFont>
+      <a:minorFont>
+        <a:latin typeface="Arial"/>
+        <a:ea typeface=""/>
+        <a:cs typeface=""/>
+        <a:font script="Jpan" typeface="ＭＳ Ｐゴシック"/>
+        <a:font script="Hang" typeface="맑은 고딕"/>
+        <a:font script="Hans" typeface="宋体"/>
+        <a:font script="Hant" typeface="新細明體"/>
+        <a:font script="Arab" typeface="Arial"/>
+        <a:font script="Hebr" typeface="Arial"/>
+        <a:font script="Thai" typeface="Cordia New"/>
+        <a:font script="Ethi" typeface="Nyala"/>
+        <a:font script="Beng" typeface="Vrinda"/>
+        <a:font script="Gujr" typeface="Shruti"/>
+        <a:font script="Khmr" typeface="DaunPenh"/>
+        <a:font script="Knda" typeface="Tunga"/>
+        <a:font script="Guru" typeface="Raavi"/>
+        <a:font script="Cans" typeface="Euphemia"/>
+        <a:font script="Cher" typeface="Plantagenet Cherokee"/>
+        <a:font script="Yiii" typeface="Microsoft Yi Baiti"/>
+        <a:font script="Tibt" typeface="Microsoft Himalaya"/>
+        <a:font script="Thaa" typeface="MV Boli"/>
+        <a:font script="Deva" typeface="Mangal"/>
+        <a:font script="Telu" typeface="Gautami"/>
+        <a:font script="Taml" typeface="Latha"/>
+        <a:font script="Syrc" typeface="Estrangelo Edessa"/>
+        <a:font script="Orya" typeface="Kalinga"/>
+        <a:font script="Mlym" typeface="Kartika"/>
+        <a:font script="Laoo" typeface="DokChampa"/>
+        <a:font script="Sinh" typeface="Iskoola Pota"/>
+        <a:font script="Mong" typeface="Mongolian Baiti"/>
+        <a:font script="Viet" typeface="Arial"/>
+        <a:font script="Uigh" typeface="Microsoft Uighur"/>
+        <a:font script="Geor" typeface="Sylfaen"/>
+      </a:minorFont>
+    </a:fontScheme>
+    <a:fmtScheme name="Office">
+      <a:fillStyleLst>
+        <a:solidFill>
+          <a:schemeClr val="phClr"/>
+        </a:solidFill>
+        <a:gradFill rotWithShape="1">
+          <a:gsLst>
+            <a:gs pos="0">
+              <a:schemeClr val="phClr">
+                <a:tint val="50000"/>
+                <a:satMod val="300000"/>
+              </a:schemeClr>
+            </a:gs>
+            <a:gs pos="35000">
+              <a:schemeClr val="phClr">
+                <a:tint val="37000"/>
+                <a:satMod val="300000"/>
+              </a:schemeClr>
+            </a:gs>
+            <a:gs pos="100000">
+              <a:schemeClr val="phClr">
+                <a:tint val="15000"/>
+                <a:satMod val="350000"/>
+              </a:schemeClr>
+            </a:gs>
+          </a:gsLst>
+          <a:lin ang="16200000" scaled="1"/>
+        </a:gradFill>
+        <a:gradFill rotWithShape="1">
+          <a:gsLst>
+            <a:gs pos="0">
+              <a:schemeClr val="phClr">
+                <a:tint val="100000"/>
+                <a:shade val="100000"/>
+                <a:satMod val="130000"/>
+              </a:schemeClr>
+            </a:gs>
+            <a:gs pos="100000">
+              <a:schemeClr val="phClr">
+                <a:tint val="50000"/>
+                <a:shade val="100000"/>
+                <a:satMod val="350000"/>
+              </a:schemeClr>
+            </a:gs>
+          </a:gsLst>
+          <a:lin ang="16200000" scaled="0"/>
+        </a:gradFill>
+      </a:fillStyleLst>
+      <a:lnStyleLst>
+        <a:ln w="9525" cap="flat" cmpd="sng" algn="ctr">
+          <a:solidFill>
+            <a:schemeClr val="phClr">
+              <a:shade val="95000"/>
+              <a:satMod val="105000"/>
+            </a:schemeClr>
+          </a:solidFill>
+          <a:prstDash val="solid"/>
+        </a:ln>
+        <a:ln w="25400" cap="flat" cmpd="sng" algn="ctr">
+          <a:solidFill>
+            <a:schemeClr val="phClr"/>
+          </a:solidFill>
+          <a:prstDash val="solid"/>
+        </a:ln>
+        <a:ln w="38100" cap="flat" cmpd="sng" algn="ctr">
+          <a:solidFill>
+            <a:schemeClr val="phClr"/>
+          </a:solidFill>
+          <a:prstDash val="solid"/>
+        </a:ln>
+      </a:lnStyleLst>
+      <a:effectStyleLst>
+        <a:effectStyle>
+          <a:effectLst>
+            <a:outerShdw blurRad="40000" dist="20000" dir="5400000" rotWithShape="0">
+              <a:srgbClr val="000000">
+                <a:alpha val="38000"/>
+              </a:srgbClr>
+            </a:outerShdw>
+          </a:effectLst>
+        </a:effectStyle>
+        <a:effectStyle>
+          <a:effectLst>
+            <a:outerShdw blurRad="40000" dist="23000" dir="5400000" rotWithShape="0">
+              <a:srgbClr val="000000">
+                <a:alpha val="35000"/>
+              </a:srgbClr>
+            </a:outerShdw>
+          </a:effectLst>
+        </a:effectStyle>
+        <a:effectStyle>
+          <a:effectLst>
+            <a:outerShdw blurRad="40000" dist="23000" dir="5400000" rotWithShape="0">
+              <a:srgbClr val="000000">
+                <a:alpha val="35000"/>
+              </a:srgbClr>
+            </a:outerShdw>
+          </a:effectLst>
+          <a:scene3d>
+            <a:camera prst="orthographicFront">
+              <a:rot lat="0" lon="0" rev="0"/>
+            </a:camera>
+            <a:lightRig rig="threePt" dir="t">
+              <a:rot lat="0" lon="0" rev="1200000"/>
+            </a:lightRig>
+          </a:scene3d>
+          <a:sp3d>
+            <a:bevelT w="63500" h="25400"/>
+          </a:sp3d>
+        </a:effectStyle>
+      </a:effectStyleLst>
+      <a:bgFillStyleLst>
+        <a:solidFill>
+          <a:schemeClr val="phClr"/>
+        </a:solidFill>
+        <a:gradFill rotWithShape="1">
+          <a:gsLst>
+            <a:gs pos="0">
+              <a:schemeClr val="phClr">
+                <a:tint val="40000"/>
+                <a:satMod val="350000"/>
+              </a:schemeClr>
+            </a:gs>
+            <a:gs pos="40000">
+              <a:schemeClr val="phClr">
+                <a:tint val="45000"/>
+                <a:shade val="99000"/>
+                <a:satMod val="350000"/>
+              </a:schemeClr>
+            </a:gs>
+            <a:gs pos="100000">
+              <a:schemeClr val="phClr">
+                <a:shade val="20000"/>
+                <a:satMod val="255000"/>
+              </a:schemeClr>
+            </a:gs>
+          </a:gsLst>
+          <a:path path="circle">
+            <a:fillToRect l="50000" t="-80000" r="50000" b="180000"/>
+          </a:path>
+        </a:gradFill>
+        <a:gradFill rotWithShape="1">
+          <a:gsLst>
+            <a:gs pos="0">
+              <a:schemeClr val="phClr">
+                <a:tint val="80000"/>
+                <a:satMod val="300000"/>
+              </a:schemeClr>
+            </a:gs>
+            <a:gs pos="100000">
+              <a:schemeClr val="phClr">
+                <a:shade val="30000"/>
+                <a:satMod val="200000"/>
+              </a:schemeClr>
+            </a:gs>
+          </a:gsLst>
+          <a:path path="circle">
+            <a:fillToRect l="50000" t="50000" r="50000" b="50000"/>
+          </a:path>
+        </a:gradFill>
+      </a:bgFillStyleLst>
+    </a:fmtScheme>
+  </a:themeElements>
+</a:theme>
+</file>
+
+<file path=ppt/theme/theme2.xml><?xml version="1.0" encoding="utf-8"?>
 <a:theme xmlns:a="http://schemas.openxmlformats.org/drawingml/2006/main" xmlns:r="http://schemas.openxmlformats.org/officeDocument/2006/relationships" name="Tema de Office">
   <a:themeElements>
     <a:clrScheme name="Office">
@@ -20697,283 +22484,4 @@
     </a:fmtScheme>
   </a:themeElements>
 </a:theme>
-</file>
-
-<file path=ppt/theme/theme2.xml><?xml version="1.0" encoding="utf-8"?>
-<a:theme xmlns:a="http://schemas.openxmlformats.org/drawingml/2006/main" xmlns:r="http://schemas.openxmlformats.org/officeDocument/2006/relationships" name="Pizarra">
-  <a:themeElements>
-    <a:clrScheme name="Pizarra">
-      <a:dk1>
-        <a:srgbClr val="000000"/>
-      </a:dk1>
-      <a:lt1>
-        <a:srgbClr val="FFFFFF"/>
-      </a:lt1>
-      <a:dk2>
-        <a:srgbClr val="212123"/>
-      </a:dk2>
-      <a:lt2>
-        <a:srgbClr val="DADADA"/>
-      </a:lt2>
-      <a:accent1>
-        <a:srgbClr val="BC451B"/>
-      </a:accent1>
-      <a:accent2>
-        <a:srgbClr val="D3BA68"/>
-      </a:accent2>
-      <a:accent3>
-        <a:srgbClr val="BB8640"/>
-      </a:accent3>
-      <a:accent4>
-        <a:srgbClr val="AD9277"/>
-      </a:accent4>
-      <a:accent5>
-        <a:srgbClr val="A55A43"/>
-      </a:accent5>
-      <a:accent6>
-        <a:srgbClr val="AD9D7B"/>
-      </a:accent6>
-      <a:hlink>
-        <a:srgbClr val="E98052"/>
-      </a:hlink>
-      <a:folHlink>
-        <a:srgbClr val="F4B69B"/>
-      </a:folHlink>
-    </a:clrScheme>
-    <a:fontScheme name="Office">
-      <a:majorFont>
-        <a:latin typeface="Arial"/>
-        <a:ea typeface=""/>
-        <a:cs typeface=""/>
-        <a:font script="Jpan" typeface="ＭＳ Ｐゴシック"/>
-        <a:font script="Hang" typeface="맑은 고딕"/>
-        <a:font script="Hans" typeface="宋体"/>
-        <a:font script="Hant" typeface="新細明體"/>
-        <a:font script="Arab" typeface="Times New Roman"/>
-        <a:font script="Hebr" typeface="Times New Roman"/>
-        <a:font script="Thai" typeface="Angsana New"/>
-        <a:font script="Ethi" typeface="Nyala"/>
-        <a:font script="Beng" typeface="Vrinda"/>
-        <a:font script="Gujr" typeface="Shruti"/>
-        <a:font script="Khmr" typeface="MoolBoran"/>
-        <a:font script="Knda" typeface="Tunga"/>
-        <a:font script="Guru" typeface="Raavi"/>
-        <a:font script="Cans" typeface="Euphemia"/>
-        <a:font script="Cher" typeface="Plantagenet Cherokee"/>
-        <a:font script="Yiii" typeface="Microsoft Yi Baiti"/>
-        <a:font script="Tibt" typeface="Microsoft Himalaya"/>
-        <a:font script="Thaa" typeface="MV Boli"/>
-        <a:font script="Deva" typeface="Mangal"/>
-        <a:font script="Telu" typeface="Gautami"/>
-        <a:font script="Taml" typeface="Latha"/>
-        <a:font script="Syrc" typeface="Estrangelo Edessa"/>
-        <a:font script="Orya" typeface="Kalinga"/>
-        <a:font script="Mlym" typeface="Kartika"/>
-        <a:font script="Laoo" typeface="DokChampa"/>
-        <a:font script="Sinh" typeface="Iskoola Pota"/>
-        <a:font script="Mong" typeface="Mongolian Baiti"/>
-        <a:font script="Viet" typeface="Times New Roman"/>
-        <a:font script="Uigh" typeface="Microsoft Uighur"/>
-        <a:font script="Geor" typeface="Sylfaen"/>
-      </a:majorFont>
-      <a:minorFont>
-        <a:latin typeface="Arial"/>
-        <a:ea typeface=""/>
-        <a:cs typeface=""/>
-        <a:font script="Jpan" typeface="ＭＳ Ｐゴシック"/>
-        <a:font script="Hang" typeface="맑은 고딕"/>
-        <a:font script="Hans" typeface="宋体"/>
-        <a:font script="Hant" typeface="新細明體"/>
-        <a:font script="Arab" typeface="Arial"/>
-        <a:font script="Hebr" typeface="Arial"/>
-        <a:font script="Thai" typeface="Cordia New"/>
-        <a:font script="Ethi" typeface="Nyala"/>
-        <a:font script="Beng" typeface="Vrinda"/>
-        <a:font script="Gujr" typeface="Shruti"/>
-        <a:font script="Khmr" typeface="DaunPenh"/>
-        <a:font script="Knda" typeface="Tunga"/>
-        <a:font script="Guru" typeface="Raavi"/>
-        <a:font script="Cans" typeface="Euphemia"/>
-        <a:font script="Cher" typeface="Plantagenet Cherokee"/>
-        <a:font script="Yiii" typeface="Microsoft Yi Baiti"/>
-        <a:font script="Tibt" typeface="Microsoft Himalaya"/>
-        <a:font script="Thaa" typeface="MV Boli"/>
-        <a:font script="Deva" typeface="Mangal"/>
-        <a:font script="Telu" typeface="Gautami"/>
-        <a:font script="Taml" typeface="Latha"/>
-        <a:font script="Syrc" typeface="Estrangelo Edessa"/>
-        <a:font script="Orya" typeface="Kalinga"/>
-        <a:font script="Mlym" typeface="Kartika"/>
-        <a:font script="Laoo" typeface="DokChampa"/>
-        <a:font script="Sinh" typeface="Iskoola Pota"/>
-        <a:font script="Mong" typeface="Mongolian Baiti"/>
-        <a:font script="Viet" typeface="Arial"/>
-        <a:font script="Uigh" typeface="Microsoft Uighur"/>
-        <a:font script="Geor" typeface="Sylfaen"/>
-      </a:minorFont>
-    </a:fontScheme>
-    <a:fmtScheme name="Office">
-      <a:fillStyleLst>
-        <a:solidFill>
-          <a:schemeClr val="phClr"/>
-        </a:solidFill>
-        <a:gradFill rotWithShape="1">
-          <a:gsLst>
-            <a:gs pos="0">
-              <a:schemeClr val="phClr">
-                <a:tint val="50000"/>
-                <a:satMod val="300000"/>
-              </a:schemeClr>
-            </a:gs>
-            <a:gs pos="35000">
-              <a:schemeClr val="phClr">
-                <a:tint val="37000"/>
-                <a:satMod val="300000"/>
-              </a:schemeClr>
-            </a:gs>
-            <a:gs pos="100000">
-              <a:schemeClr val="phClr">
-                <a:tint val="15000"/>
-                <a:satMod val="350000"/>
-              </a:schemeClr>
-            </a:gs>
-          </a:gsLst>
-          <a:lin ang="16200000" scaled="1"/>
-        </a:gradFill>
-        <a:gradFill rotWithShape="1">
-          <a:gsLst>
-            <a:gs pos="0">
-              <a:schemeClr val="phClr">
-                <a:tint val="100000"/>
-                <a:shade val="100000"/>
-                <a:satMod val="130000"/>
-              </a:schemeClr>
-            </a:gs>
-            <a:gs pos="100000">
-              <a:schemeClr val="phClr">
-                <a:tint val="50000"/>
-                <a:shade val="100000"/>
-                <a:satMod val="350000"/>
-              </a:schemeClr>
-            </a:gs>
-          </a:gsLst>
-          <a:lin ang="16200000" scaled="0"/>
-        </a:gradFill>
-      </a:fillStyleLst>
-      <a:lnStyleLst>
-        <a:ln w="9525" cap="flat" cmpd="sng" algn="ctr">
-          <a:solidFill>
-            <a:schemeClr val="phClr">
-              <a:shade val="95000"/>
-              <a:satMod val="105000"/>
-            </a:schemeClr>
-          </a:solidFill>
-          <a:prstDash val="solid"/>
-        </a:ln>
-        <a:ln w="25400" cap="flat" cmpd="sng" algn="ctr">
-          <a:solidFill>
-            <a:schemeClr val="phClr"/>
-          </a:solidFill>
-          <a:prstDash val="solid"/>
-        </a:ln>
-        <a:ln w="38100" cap="flat" cmpd="sng" algn="ctr">
-          <a:solidFill>
-            <a:schemeClr val="phClr"/>
-          </a:solidFill>
-          <a:prstDash val="solid"/>
-        </a:ln>
-      </a:lnStyleLst>
-      <a:effectStyleLst>
-        <a:effectStyle>
-          <a:effectLst>
-            <a:outerShdw blurRad="40000" dist="20000" dir="5400000" rotWithShape="0">
-              <a:srgbClr val="000000">
-                <a:alpha val="38000"/>
-              </a:srgbClr>
-            </a:outerShdw>
-          </a:effectLst>
-        </a:effectStyle>
-        <a:effectStyle>
-          <a:effectLst>
-            <a:outerShdw blurRad="40000" dist="23000" dir="5400000" rotWithShape="0">
-              <a:srgbClr val="000000">
-                <a:alpha val="35000"/>
-              </a:srgbClr>
-            </a:outerShdw>
-          </a:effectLst>
-        </a:effectStyle>
-        <a:effectStyle>
-          <a:effectLst>
-            <a:outerShdw blurRad="40000" dist="23000" dir="5400000" rotWithShape="0">
-              <a:srgbClr val="000000">
-                <a:alpha val="35000"/>
-              </a:srgbClr>
-            </a:outerShdw>
-          </a:effectLst>
-          <a:scene3d>
-            <a:camera prst="orthographicFront">
-              <a:rot lat="0" lon="0" rev="0"/>
-            </a:camera>
-            <a:lightRig rig="threePt" dir="t">
-              <a:rot lat="0" lon="0" rev="1200000"/>
-            </a:lightRig>
-          </a:scene3d>
-          <a:sp3d>
-            <a:bevelT w="63500" h="25400"/>
-          </a:sp3d>
-        </a:effectStyle>
-      </a:effectStyleLst>
-      <a:bgFillStyleLst>
-        <a:solidFill>
-          <a:schemeClr val="phClr"/>
-        </a:solidFill>
-        <a:gradFill rotWithShape="1">
-          <a:gsLst>
-            <a:gs pos="0">
-              <a:schemeClr val="phClr">
-                <a:tint val="40000"/>
-                <a:satMod val="350000"/>
-              </a:schemeClr>
-            </a:gs>
-            <a:gs pos="40000">
-              <a:schemeClr val="phClr">
-                <a:tint val="45000"/>
-                <a:shade val="99000"/>
-                <a:satMod val="350000"/>
-              </a:schemeClr>
-            </a:gs>
-            <a:gs pos="100000">
-              <a:schemeClr val="phClr">
-                <a:shade val="20000"/>
-                <a:satMod val="255000"/>
-              </a:schemeClr>
-            </a:gs>
-          </a:gsLst>
-          <a:path path="circle">
-            <a:fillToRect l="50000" t="-80000" r="50000" b="180000"/>
-          </a:path>
-        </a:gradFill>
-        <a:gradFill rotWithShape="1">
-          <a:gsLst>
-            <a:gs pos="0">
-              <a:schemeClr val="phClr">
-                <a:tint val="80000"/>
-                <a:satMod val="300000"/>
-              </a:schemeClr>
-            </a:gs>
-            <a:gs pos="100000">
-              <a:schemeClr val="phClr">
-                <a:shade val="30000"/>
-                <a:satMod val="200000"/>
-              </a:schemeClr>
-            </a:gs>
-          </a:gsLst>
-          <a:path path="circle">
-            <a:fillToRect l="50000" t="50000" r="50000" b="50000"/>
-          </a:path>
-        </a:gradFill>
-      </a:bgFillStyleLst>
-    </a:fmtScheme>
-  </a:themeElements>
-</a:theme>
 </file>